--- a/Digicap presentation.pptx
+++ b/Digicap presentation.pptx
@@ -3643,7 +3643,7 @@
           <a:p>
             <a:fld id="{DF5DBB00-1528-4FC2-BF2E-2D582D8F8868}" type="datetimeFigureOut">
               <a:rPr lang="en-US" smtClean="0"/>
-              <a:t>7/28/2023</a:t>
+              <a:t>7/29/2023</a:t>
             </a:fld>
             <a:endParaRPr lang="en-US"/>
           </a:p>
@@ -4125,7 +4125,7 @@
           <a:p>
             <a:fld id="{F8A3D966-62D4-48DD-A0EA-661C50586CC3}" type="datetimeFigureOut">
               <a:rPr lang="en-US" smtClean="0"/>
-              <a:t>7/28/2023</a:t>
+              <a:t>7/29/2023</a:t>
             </a:fld>
             <a:endParaRPr lang="en-US"/>
           </a:p>
@@ -4295,7 +4295,7 @@
           <a:p>
             <a:fld id="{F8A3D966-62D4-48DD-A0EA-661C50586CC3}" type="datetimeFigureOut">
               <a:rPr lang="en-US" smtClean="0"/>
-              <a:t>7/28/2023</a:t>
+              <a:t>7/29/2023</a:t>
             </a:fld>
             <a:endParaRPr lang="en-US"/>
           </a:p>
@@ -4475,7 +4475,7 @@
           <a:p>
             <a:fld id="{F8A3D966-62D4-48DD-A0EA-661C50586CC3}" type="datetimeFigureOut">
               <a:rPr lang="en-US" smtClean="0"/>
-              <a:t>7/28/2023</a:t>
+              <a:t>7/29/2023</a:t>
             </a:fld>
             <a:endParaRPr lang="en-US"/>
           </a:p>
@@ -5399,7 +5399,7 @@
           <a:p>
             <a:fld id="{F8A3D966-62D4-48DD-A0EA-661C50586CC3}" type="datetimeFigureOut">
               <a:rPr lang="en-US" smtClean="0"/>
-              <a:t>7/28/2023</a:t>
+              <a:t>7/29/2023</a:t>
             </a:fld>
             <a:endParaRPr lang="en-US"/>
           </a:p>
@@ -5645,7 +5645,7 @@
           <a:p>
             <a:fld id="{F8A3D966-62D4-48DD-A0EA-661C50586CC3}" type="datetimeFigureOut">
               <a:rPr lang="en-US" smtClean="0"/>
-              <a:t>7/28/2023</a:t>
+              <a:t>7/29/2023</a:t>
             </a:fld>
             <a:endParaRPr lang="en-US"/>
           </a:p>
@@ -5877,7 +5877,7 @@
           <a:p>
             <a:fld id="{F8A3D966-62D4-48DD-A0EA-661C50586CC3}" type="datetimeFigureOut">
               <a:rPr lang="en-US" smtClean="0"/>
-              <a:t>7/28/2023</a:t>
+              <a:t>7/29/2023</a:t>
             </a:fld>
             <a:endParaRPr lang="en-US"/>
           </a:p>
@@ -6244,7 +6244,7 @@
           <a:p>
             <a:fld id="{F8A3D966-62D4-48DD-A0EA-661C50586CC3}" type="datetimeFigureOut">
               <a:rPr lang="en-US" smtClean="0"/>
-              <a:t>7/28/2023</a:t>
+              <a:t>7/29/2023</a:t>
             </a:fld>
             <a:endParaRPr lang="en-US"/>
           </a:p>
@@ -6362,7 +6362,7 @@
           <a:p>
             <a:fld id="{F8A3D966-62D4-48DD-A0EA-661C50586CC3}" type="datetimeFigureOut">
               <a:rPr lang="en-US" smtClean="0"/>
-              <a:t>7/28/2023</a:t>
+              <a:t>7/29/2023</a:t>
             </a:fld>
             <a:endParaRPr lang="en-US"/>
           </a:p>
@@ -6457,7 +6457,7 @@
           <a:p>
             <a:fld id="{F8A3D966-62D4-48DD-A0EA-661C50586CC3}" type="datetimeFigureOut">
               <a:rPr lang="en-US" smtClean="0"/>
-              <a:t>7/28/2023</a:t>
+              <a:t>7/29/2023</a:t>
             </a:fld>
             <a:endParaRPr lang="en-US"/>
           </a:p>
@@ -6734,7 +6734,7 @@
           <a:p>
             <a:fld id="{F8A3D966-62D4-48DD-A0EA-661C50586CC3}" type="datetimeFigureOut">
               <a:rPr lang="en-US" smtClean="0"/>
-              <a:t>7/28/2023</a:t>
+              <a:t>7/29/2023</a:t>
             </a:fld>
             <a:endParaRPr lang="en-US"/>
           </a:p>
@@ -6991,7 +6991,7 @@
           <a:p>
             <a:fld id="{F8A3D966-62D4-48DD-A0EA-661C50586CC3}" type="datetimeFigureOut">
               <a:rPr lang="en-US" smtClean="0"/>
-              <a:t>7/28/2023</a:t>
+              <a:t>7/29/2023</a:t>
             </a:fld>
             <a:endParaRPr lang="en-US"/>
           </a:p>
@@ -7204,7 +7204,7 @@
           <a:p>
             <a:fld id="{F8A3D966-62D4-48DD-A0EA-661C50586CC3}" type="datetimeFigureOut">
               <a:rPr lang="en-US" smtClean="0"/>
-              <a:t>7/28/2023</a:t>
+              <a:t>7/29/2023</a:t>
             </a:fld>
             <a:endParaRPr lang="en-US"/>
           </a:p>
@@ -7699,6 +7699,17 @@
               </a:buClr>
             </a:pPr>
             <a:r>
+              <a:rPr lang="en-US" sz="2800" b="1" kern="0">
+                <a:solidFill>
+                  <a:srgbClr val="F2F2F2"/>
+                </a:solidFill>
+                <a:latin typeface="Arial Nova Cond" panose="020B0506020202020204" pitchFamily="34" charset="0"/>
+                <a:cs typeface="Arial"/>
+                <a:sym typeface="Arial"/>
+              </a:rPr>
+              <a:t>GROUP 8 </a:t>
+            </a:r>
+            <a:r>
               <a:rPr lang="en-US" sz="2800" b="1" kern="0" dirty="0">
                 <a:solidFill>
                   <a:srgbClr val="F2F2F2"/>
@@ -7707,7 +7718,7 @@
                 <a:cs typeface="Arial"/>
                 <a:sym typeface="Arial"/>
               </a:rPr>
-              <a:t>GROUP 7 PROJECT PRESENTATION </a:t>
+              <a:t>PROJECT PRESENTATION </a:t>
             </a:r>
           </a:p>
         </p:txBody>
@@ -16784,15 +16795,6 @@
 </file>
 
 <file path=customXml/item1.xml><?xml version="1.0" encoding="utf-8"?>
-<?mso-contentType ?>
-<FormTemplates xmlns="http://schemas.microsoft.com/sharepoint/v3/contenttype/forms">
-  <Display>DocumentLibraryForm</Display>
-  <Edit>DocumentLibraryForm</Edit>
-  <New>DocumentLibraryForm</New>
-</FormTemplates>
-</file>
-
-<file path=customXml/item2.xml><?xml version="1.0" encoding="utf-8"?>
 <ct:contentTypeSchema xmlns:ct="http://schemas.microsoft.com/office/2006/metadata/contentType" xmlns:ma="http://schemas.microsoft.com/office/2006/metadata/properties/metaAttributes" ct:_="" ma:_="" ma:contentTypeName="Document" ma:contentTypeID="0x0101003BD176B6FCCE8B4DA11337E12F6DD4B1" ma:contentTypeVersion="2" ma:contentTypeDescription="Create a new document." ma:contentTypeScope="" ma:versionID="46f41db10e90fcde9d00d4f1f56283e3">
   <xsd:schema xmlns:xsd="http://www.w3.org/2001/XMLSchema" xmlns:xs="http://www.w3.org/2001/XMLSchema" xmlns:p="http://schemas.microsoft.com/office/2006/metadata/properties" xmlns:ns3="945327e7-ee87-49f5-822b-8d8440319dfa" targetNamespace="http://schemas.microsoft.com/office/2006/metadata/properties" ma:root="true" ma:fieldsID="faa39a4807e9d0a25d534ac776e15392" ns3:_="">
     <xsd:import namespace="945327e7-ee87-49f5-822b-8d8440319dfa"/>
@@ -16924,6 +16926,15 @@
 </ct:contentTypeSchema>
 </file>
 
+<file path=customXml/item2.xml><?xml version="1.0" encoding="utf-8"?>
+<?mso-contentType ?>
+<FormTemplates xmlns="http://schemas.microsoft.com/sharepoint/v3/contenttype/forms">
+  <Display>DocumentLibraryForm</Display>
+  <Edit>DocumentLibraryForm</Edit>
+  <New>DocumentLibraryForm</New>
+</FormTemplates>
+</file>
+
 <file path=customXml/item3.xml><?xml version="1.0" encoding="utf-8"?>
 <p:properties xmlns:p="http://schemas.microsoft.com/office/2006/metadata/properties" xmlns:xsi="http://www.w3.org/2001/XMLSchema-instance" xmlns:pc="http://schemas.microsoft.com/office/infopath/2007/PartnerControls">
   <documentManagement/>
@@ -16931,14 +16942,6 @@
 </file>
 
 <file path=customXml/itemProps1.xml><?xml version="1.0" encoding="utf-8"?>
-<ds:datastoreItem xmlns:ds="http://schemas.openxmlformats.org/officeDocument/2006/customXml" ds:itemID="{5FE032E8-B7E5-4FE2-8F44-AECC758DA128}">
-  <ds:schemaRefs>
-    <ds:schemaRef ds:uri="http://schemas.microsoft.com/sharepoint/v3/contenttype/forms"/>
-  </ds:schemaRefs>
-</ds:datastoreItem>
-</file>
-
-<file path=customXml/itemProps2.xml><?xml version="1.0" encoding="utf-8"?>
 <ds:datastoreItem xmlns:ds="http://schemas.openxmlformats.org/officeDocument/2006/customXml" ds:itemID="{AB4AEC87-EB1F-4A2E-B697-B76FFC5B3C39}">
   <ds:schemaRefs>
     <ds:schemaRef ds:uri="http://schemas.microsoft.com/office/2006/metadata/contentType"/>
@@ -16952,6 +16955,14 @@
     <ds:schemaRef ds:uri="http://purl.org/dc/elements/1.1/"/>
     <ds:schemaRef ds:uri="http://purl.org/dc/terms/"/>
     <ds:schemaRef ds:uri="http://schemas.microsoft.com/internal/obd"/>
+  </ds:schemaRefs>
+</ds:datastoreItem>
+</file>
+
+<file path=customXml/itemProps2.xml><?xml version="1.0" encoding="utf-8"?>
+<ds:datastoreItem xmlns:ds="http://schemas.openxmlformats.org/officeDocument/2006/customXml" ds:itemID="{5FE032E8-B7E5-4FE2-8F44-AECC758DA128}">
+  <ds:schemaRefs>
+    <ds:schemaRef ds:uri="http://schemas.microsoft.com/sharepoint/v3/contenttype/forms"/>
   </ds:schemaRefs>
 </ds:datastoreItem>
 </file>

--- a/Digicap presentation.pptx
+++ b/Digicap presentation.pptx
@@ -5,7 +5,7 @@
     <p:sldMasterId id="2147483661" r:id="rId4"/>
   </p:sldMasterIdLst>
   <p:notesMasterIdLst>
-    <p:notesMasterId r:id="rId38"/>
+    <p:notesMasterId r:id="rId44"/>
   </p:notesMasterIdLst>
   <p:sldIdLst>
     <p:sldId id="258" r:id="rId5"/>
@@ -13,34 +13,40 @@
     <p:sldId id="260" r:id="rId7"/>
     <p:sldId id="261" r:id="rId8"/>
     <p:sldId id="263" r:id="rId9"/>
-    <p:sldId id="266" r:id="rId10"/>
-    <p:sldId id="267" r:id="rId11"/>
-    <p:sldId id="268" r:id="rId12"/>
-    <p:sldId id="269" r:id="rId13"/>
-    <p:sldId id="271" r:id="rId14"/>
-    <p:sldId id="270" r:id="rId15"/>
-    <p:sldId id="265" r:id="rId16"/>
-    <p:sldId id="273" r:id="rId17"/>
-    <p:sldId id="274" r:id="rId18"/>
-    <p:sldId id="275" r:id="rId19"/>
-    <p:sldId id="277" r:id="rId20"/>
-    <p:sldId id="272" r:id="rId21"/>
-    <p:sldId id="279" r:id="rId22"/>
-    <p:sldId id="278" r:id="rId23"/>
-    <p:sldId id="276" r:id="rId24"/>
-    <p:sldId id="280" r:id="rId25"/>
-    <p:sldId id="281" r:id="rId26"/>
-    <p:sldId id="282" r:id="rId27"/>
-    <p:sldId id="283" r:id="rId28"/>
-    <p:sldId id="284" r:id="rId29"/>
-    <p:sldId id="285" r:id="rId30"/>
-    <p:sldId id="286" r:id="rId31"/>
-    <p:sldId id="287" r:id="rId32"/>
-    <p:sldId id="288" r:id="rId33"/>
-    <p:sldId id="289" r:id="rId34"/>
-    <p:sldId id="290" r:id="rId35"/>
-    <p:sldId id="291" r:id="rId36"/>
-    <p:sldId id="292" r:id="rId37"/>
+    <p:sldId id="293" r:id="rId10"/>
+    <p:sldId id="266" r:id="rId11"/>
+    <p:sldId id="267" r:id="rId12"/>
+    <p:sldId id="268" r:id="rId13"/>
+    <p:sldId id="269" r:id="rId14"/>
+    <p:sldId id="271" r:id="rId15"/>
+    <p:sldId id="270" r:id="rId16"/>
+    <p:sldId id="265" r:id="rId17"/>
+    <p:sldId id="273" r:id="rId18"/>
+    <p:sldId id="274" r:id="rId19"/>
+    <p:sldId id="275" r:id="rId20"/>
+    <p:sldId id="277" r:id="rId21"/>
+    <p:sldId id="296" r:id="rId22"/>
+    <p:sldId id="297" r:id="rId23"/>
+    <p:sldId id="272" r:id="rId24"/>
+    <p:sldId id="279" r:id="rId25"/>
+    <p:sldId id="278" r:id="rId26"/>
+    <p:sldId id="276" r:id="rId27"/>
+    <p:sldId id="280" r:id="rId28"/>
+    <p:sldId id="281" r:id="rId29"/>
+    <p:sldId id="282" r:id="rId30"/>
+    <p:sldId id="283" r:id="rId31"/>
+    <p:sldId id="284" r:id="rId32"/>
+    <p:sldId id="285" r:id="rId33"/>
+    <p:sldId id="286" r:id="rId34"/>
+    <p:sldId id="287" r:id="rId35"/>
+    <p:sldId id="288" r:id="rId36"/>
+    <p:sldId id="289" r:id="rId37"/>
+    <p:sldId id="290" r:id="rId38"/>
+    <p:sldId id="291" r:id="rId39"/>
+    <p:sldId id="292" r:id="rId40"/>
+    <p:sldId id="298" r:id="rId41"/>
+    <p:sldId id="294" r:id="rId42"/>
+    <p:sldId id="295" r:id="rId43"/>
   </p:sldIdLst>
   <p:sldSz cx="12192000" cy="6858000"/>
   <p:notesSz cx="6858000" cy="9144000"/>
@@ -3643,7 +3649,7 @@
           <a:p>
             <a:fld id="{DF5DBB00-1528-4FC2-BF2E-2D582D8F8868}" type="datetimeFigureOut">
               <a:rPr lang="en-US" smtClean="0"/>
-              <a:t>7/29/2023</a:t>
+              <a:t>8/2/2023</a:t>
             </a:fld>
             <a:endParaRPr lang="en-US"/>
           </a:p>
@@ -4125,7 +4131,7 @@
           <a:p>
             <a:fld id="{F8A3D966-62D4-48DD-A0EA-661C50586CC3}" type="datetimeFigureOut">
               <a:rPr lang="en-US" smtClean="0"/>
-              <a:t>7/29/2023</a:t>
+              <a:t>8/2/2023</a:t>
             </a:fld>
             <a:endParaRPr lang="en-US"/>
           </a:p>
@@ -4295,7 +4301,7 @@
           <a:p>
             <a:fld id="{F8A3D966-62D4-48DD-A0EA-661C50586CC3}" type="datetimeFigureOut">
               <a:rPr lang="en-US" smtClean="0"/>
-              <a:t>7/29/2023</a:t>
+              <a:t>8/2/2023</a:t>
             </a:fld>
             <a:endParaRPr lang="en-US"/>
           </a:p>
@@ -4475,7 +4481,7 @@
           <a:p>
             <a:fld id="{F8A3D966-62D4-48DD-A0EA-661C50586CC3}" type="datetimeFigureOut">
               <a:rPr lang="en-US" smtClean="0"/>
-              <a:t>7/29/2023</a:t>
+              <a:t>8/2/2023</a:t>
             </a:fld>
             <a:endParaRPr lang="en-US"/>
           </a:p>
@@ -5399,7 +5405,7 @@
           <a:p>
             <a:fld id="{F8A3D966-62D4-48DD-A0EA-661C50586CC3}" type="datetimeFigureOut">
               <a:rPr lang="en-US" smtClean="0"/>
-              <a:t>7/29/2023</a:t>
+              <a:t>8/2/2023</a:t>
             </a:fld>
             <a:endParaRPr lang="en-US"/>
           </a:p>
@@ -5645,7 +5651,7 @@
           <a:p>
             <a:fld id="{F8A3D966-62D4-48DD-A0EA-661C50586CC3}" type="datetimeFigureOut">
               <a:rPr lang="en-US" smtClean="0"/>
-              <a:t>7/29/2023</a:t>
+              <a:t>8/2/2023</a:t>
             </a:fld>
             <a:endParaRPr lang="en-US"/>
           </a:p>
@@ -5877,7 +5883,7 @@
           <a:p>
             <a:fld id="{F8A3D966-62D4-48DD-A0EA-661C50586CC3}" type="datetimeFigureOut">
               <a:rPr lang="en-US" smtClean="0"/>
-              <a:t>7/29/2023</a:t>
+              <a:t>8/2/2023</a:t>
             </a:fld>
             <a:endParaRPr lang="en-US"/>
           </a:p>
@@ -6244,7 +6250,7 @@
           <a:p>
             <a:fld id="{F8A3D966-62D4-48DD-A0EA-661C50586CC3}" type="datetimeFigureOut">
               <a:rPr lang="en-US" smtClean="0"/>
-              <a:t>7/29/2023</a:t>
+              <a:t>8/2/2023</a:t>
             </a:fld>
             <a:endParaRPr lang="en-US"/>
           </a:p>
@@ -6362,7 +6368,7 @@
           <a:p>
             <a:fld id="{F8A3D966-62D4-48DD-A0EA-661C50586CC3}" type="datetimeFigureOut">
               <a:rPr lang="en-US" smtClean="0"/>
-              <a:t>7/29/2023</a:t>
+              <a:t>8/2/2023</a:t>
             </a:fld>
             <a:endParaRPr lang="en-US"/>
           </a:p>
@@ -6457,7 +6463,7 @@
           <a:p>
             <a:fld id="{F8A3D966-62D4-48DD-A0EA-661C50586CC3}" type="datetimeFigureOut">
               <a:rPr lang="en-US" smtClean="0"/>
-              <a:t>7/29/2023</a:t>
+              <a:t>8/2/2023</a:t>
             </a:fld>
             <a:endParaRPr lang="en-US"/>
           </a:p>
@@ -6734,7 +6740,7 @@
           <a:p>
             <a:fld id="{F8A3D966-62D4-48DD-A0EA-661C50586CC3}" type="datetimeFigureOut">
               <a:rPr lang="en-US" smtClean="0"/>
-              <a:t>7/29/2023</a:t>
+              <a:t>8/2/2023</a:t>
             </a:fld>
             <a:endParaRPr lang="en-US"/>
           </a:p>
@@ -6991,7 +6997,7 @@
           <a:p>
             <a:fld id="{F8A3D966-62D4-48DD-A0EA-661C50586CC3}" type="datetimeFigureOut">
               <a:rPr lang="en-US" smtClean="0"/>
-              <a:t>7/29/2023</a:t>
+              <a:t>8/2/2023</a:t>
             </a:fld>
             <a:endParaRPr lang="en-US"/>
           </a:p>
@@ -7204,7 +7210,7 @@
           <a:p>
             <a:fld id="{F8A3D966-62D4-48DD-A0EA-661C50586CC3}" type="datetimeFigureOut">
               <a:rPr lang="en-US" smtClean="0"/>
-              <a:t>7/29/2023</a:t>
+              <a:t>8/2/2023</a:t>
             </a:fld>
             <a:endParaRPr lang="en-US"/>
           </a:p>
@@ -7699,17 +7705,6 @@
               </a:buClr>
             </a:pPr>
             <a:r>
-              <a:rPr lang="en-US" sz="2800" b="1" kern="0">
-                <a:solidFill>
-                  <a:srgbClr val="F2F2F2"/>
-                </a:solidFill>
-                <a:latin typeface="Arial Nova Cond" panose="020B0506020202020204" pitchFamily="34" charset="0"/>
-                <a:cs typeface="Arial"/>
-                <a:sym typeface="Arial"/>
-              </a:rPr>
-              <a:t>GROUP 8 </a:t>
-            </a:r>
-            <a:r>
               <a:rPr lang="en-US" sz="2800" b="1" kern="0" dirty="0">
                 <a:solidFill>
                   <a:srgbClr val="F2F2F2"/>
@@ -7718,7 +7713,7 @@
                 <a:cs typeface="Arial"/>
                 <a:sym typeface="Arial"/>
               </a:rPr>
-              <a:t>PROJECT PRESENTATION </a:t>
+              <a:t>GROUP 8 PROJECT PRESENTATION </a:t>
             </a:r>
           </a:p>
         </p:txBody>
@@ -8024,6 +8019,16 @@
               </a:lnSpc>
               <a:buChar char="•"/>
             </a:pPr>
+            <a:r>
+              <a:rPr lang="en-US" sz="2000" b="1" dirty="0">
+                <a:solidFill>
+                  <a:srgbClr val="FFFFFF"/>
+                </a:solidFill>
+                <a:latin typeface="Times New Roman" panose="02020603050405020304" pitchFamily="18" charset="0"/>
+                <a:cs typeface="Times New Roman" panose="02020603050405020304" pitchFamily="18" charset="0"/>
+              </a:rPr>
+              <a:t> KASSIM BALLU BADUONG</a:t>
+            </a:r>
             <a:endParaRPr lang="en-GH" sz="2000" b="1" dirty="0">
               <a:solidFill>
                 <a:srgbClr val="FFFFFF"/>
@@ -8102,6 +8107,22 @@
                 <a:latin typeface="Times New Roman" panose="02020603050405020304" pitchFamily="18" charset="0"/>
                 <a:cs typeface="Times New Roman" panose="02020603050405020304" pitchFamily="18" charset="0"/>
               </a:rPr>
+              <a:t>Questions</a:t>
+            </a:r>
+          </a:p>
+          <a:p>
+            <a:pPr marL="800100" lvl="1" indent="-342900">
+              <a:lnSpc>
+                <a:spcPct val="150000"/>
+              </a:lnSpc>
+              <a:buFont typeface="Wingdings" panose="05000000000000000000" pitchFamily="2" charset="2"/>
+              <a:buChar char="v"/>
+            </a:pPr>
+            <a:r>
+              <a:rPr lang="en-US" sz="2000" b="1" dirty="0">
+                <a:latin typeface="Times New Roman" panose="02020603050405020304" pitchFamily="18" charset="0"/>
+                <a:cs typeface="Times New Roman" panose="02020603050405020304" pitchFamily="18" charset="0"/>
+              </a:rPr>
               <a:t>Visualizations and insights</a:t>
             </a:r>
           </a:p>
@@ -8136,6 +8157,35 @@
               </a:rPr>
               <a:t>Conclusions </a:t>
             </a:r>
+          </a:p>
+          <a:p>
+            <a:pPr marL="800100" lvl="1" indent="-342900">
+              <a:lnSpc>
+                <a:spcPct val="150000"/>
+              </a:lnSpc>
+              <a:buFont typeface="Wingdings" panose="05000000000000000000" pitchFamily="2" charset="2"/>
+              <a:buChar char="v"/>
+            </a:pPr>
+            <a:r>
+              <a:rPr lang="en-US" sz="2000" b="1" dirty="0">
+                <a:latin typeface="Times New Roman" panose="02020603050405020304" pitchFamily="18" charset="0"/>
+                <a:cs typeface="Times New Roman" panose="02020603050405020304" pitchFamily="18" charset="0"/>
+              </a:rPr>
+              <a:t> Recommendations</a:t>
+            </a:r>
+          </a:p>
+          <a:p>
+            <a:pPr marL="800100" lvl="1" indent="-342900">
+              <a:lnSpc>
+                <a:spcPct val="150000"/>
+              </a:lnSpc>
+              <a:buFont typeface="Wingdings" panose="05000000000000000000" pitchFamily="2" charset="2"/>
+              <a:buChar char="v"/>
+            </a:pPr>
+            <a:endParaRPr lang="en-US" sz="2000" b="1" dirty="0">
+              <a:latin typeface="Times New Roman" panose="02020603050405020304" pitchFamily="18" charset="0"/>
+              <a:cs typeface="Times New Roman" panose="02020603050405020304" pitchFamily="18" charset="0"/>
+            </a:endParaRPr>
           </a:p>
           <a:p>
             <a:pPr lvl="0"/>
@@ -8157,7 +8207,7 @@
         </p:nvSpPr>
         <p:spPr>
           <a:xfrm>
-            <a:off x="5458692" y="1240622"/>
+            <a:off x="5392431" y="1041839"/>
             <a:ext cx="6076816" cy="2029051"/>
           </a:xfrm>
           <a:prstGeom prst="roundRect">
@@ -8185,14 +8235,11 @@
           <a:lstStyle/>
           <a:p>
             <a:pPr algn="ctr"/>
-            <a:r>
-              <a:rPr lang="en-US" sz="2000" b="1" dirty="0">
-                <a:solidFill>
-                  <a:schemeClr val="bg1"/>
-                </a:solidFill>
-              </a:rPr>
-              <a:t>SUPERVISOR:</a:t>
-            </a:r>
+            <a:endParaRPr lang="en-US" sz="2000" b="1" dirty="0">
+              <a:solidFill>
+                <a:schemeClr val="bg1"/>
+              </a:solidFill>
+            </a:endParaRPr>
           </a:p>
           <a:p>
             <a:pPr algn="ctr"/>
@@ -8264,6 +8311,136 @@
 </file>
 
 <file path=ppt/slides/slide10.xml><?xml version="1.0" encoding="utf-8"?>
+<p:sld xmlns:a="http://schemas.openxmlformats.org/drawingml/2006/main" xmlns:r="http://schemas.openxmlformats.org/officeDocument/2006/relationships" xmlns:p="http://schemas.openxmlformats.org/presentationml/2006/main">
+  <p:cSld>
+    <p:bg>
+      <p:bgPr>
+        <a:solidFill>
+          <a:schemeClr val="bg1"/>
+        </a:solidFill>
+        <a:effectLst/>
+      </p:bgPr>
+    </p:bg>
+    <p:spTree>
+      <p:nvGrpSpPr>
+        <p:cNvPr id="1" name=""/>
+        <p:cNvGrpSpPr/>
+        <p:nvPr/>
+      </p:nvGrpSpPr>
+      <p:grpSpPr>
+        <a:xfrm>
+          <a:off x="0" y="0"/>
+          <a:ext cx="0" cy="0"/>
+          <a:chOff x="0" y="0"/>
+          <a:chExt cx="0" cy="0"/>
+        </a:xfrm>
+      </p:grpSpPr>
+      <p:sp>
+        <p:nvSpPr>
+          <p:cNvPr id="2" name="Title 1">
+            <a:extLst>
+              <a:ext uri="{FF2B5EF4-FFF2-40B4-BE49-F238E27FC236}">
+                <a16:creationId xmlns:a16="http://schemas.microsoft.com/office/drawing/2014/main" id="{C1685C5C-E097-A34C-71C4-6B1AC703AB87}"/>
+              </a:ext>
+            </a:extLst>
+          </p:cNvPr>
+          <p:cNvSpPr>
+            <a:spLocks noGrp="1"/>
+          </p:cNvSpPr>
+          <p:nvPr>
+            <p:ph type="title"/>
+          </p:nvPr>
+        </p:nvSpPr>
+        <p:spPr>
+          <a:xfrm>
+            <a:off x="626012" y="1596061"/>
+            <a:ext cx="2752354" cy="2709275"/>
+          </a:xfrm>
+          <a:prstGeom prst="ellipse">
+            <a:avLst/>
+          </a:prstGeom>
+          <a:solidFill>
+            <a:schemeClr val="tx1">
+              <a:lumMod val="85000"/>
+              <a:lumOff val="15000"/>
+            </a:schemeClr>
+          </a:solidFill>
+          <a:ln w="174625" cmpd="thinThick">
+            <a:solidFill>
+              <a:schemeClr val="tx1">
+                <a:lumMod val="85000"/>
+                <a:lumOff val="15000"/>
+              </a:schemeClr>
+            </a:solidFill>
+          </a:ln>
+        </p:spPr>
+        <p:txBody>
+          <a:bodyPr vert="horz" lIns="91440" tIns="45720" rIns="91440" bIns="45720" rtlCol="0" anchor="ctr">
+            <a:normAutofit/>
+          </a:bodyPr>
+          <a:lstStyle/>
+          <a:p>
+            <a:pPr algn="ctr"/>
+            <a:r>
+              <a:rPr lang="en-US" sz="2600" kern="1200" dirty="0">
+                <a:solidFill>
+                  <a:schemeClr val="bg1"/>
+                </a:solidFill>
+                <a:latin typeface="+mj-lt"/>
+                <a:ea typeface="+mj-ea"/>
+                <a:cs typeface="+mj-cs"/>
+              </a:rPr>
+              <a:t>Checking for outlier</a:t>
+            </a:r>
+          </a:p>
+        </p:txBody>
+      </p:sp>
+      <p:pic>
+        <p:nvPicPr>
+          <p:cNvPr id="7" name="Content Placeholder 6">
+            <a:extLst>
+              <a:ext uri="{FF2B5EF4-FFF2-40B4-BE49-F238E27FC236}">
+                <a16:creationId xmlns:a16="http://schemas.microsoft.com/office/drawing/2014/main" id="{2911310E-25EF-F4CD-594F-48FE2A568ED6}"/>
+              </a:ext>
+            </a:extLst>
+          </p:cNvPr>
+          <p:cNvPicPr>
+            <a:picLocks noGrp="1" noChangeAspect="1"/>
+          </p:cNvPicPr>
+          <p:nvPr>
+            <p:ph idx="1"/>
+          </p:nvPr>
+        </p:nvPicPr>
+        <p:blipFill>
+          <a:blip r:embed="rId2"/>
+          <a:stretch>
+            <a:fillRect/>
+          </a:stretch>
+        </p:blipFill>
+        <p:spPr>
+          <a:xfrm>
+            <a:off x="4038600" y="993085"/>
+            <a:ext cx="7188199" cy="4868440"/>
+          </a:xfrm>
+          <a:prstGeom prst="rect">
+            <a:avLst/>
+          </a:prstGeom>
+        </p:spPr>
+      </p:pic>
+    </p:spTree>
+    <p:extLst>
+      <p:ext uri="{BB962C8B-B14F-4D97-AF65-F5344CB8AC3E}">
+        <p14:creationId xmlns:p14="http://schemas.microsoft.com/office/powerpoint/2010/main" val="976882544"/>
+      </p:ext>
+    </p:extLst>
+  </p:cSld>
+  <p:clrMapOvr>
+    <a:masterClrMapping/>
+  </p:clrMapOvr>
+</p:sld>
+</file>
+
+<file path=ppt/slides/slide11.xml><?xml version="1.0" encoding="utf-8"?>
 <p:sld xmlns:a="http://schemas.openxmlformats.org/drawingml/2006/main" xmlns:r="http://schemas.openxmlformats.org/officeDocument/2006/relationships" xmlns:p="http://schemas.openxmlformats.org/presentationml/2006/main">
   <p:cSld>
     <p:bg>
@@ -8982,7 +9159,7 @@
 </p:sld>
 </file>
 
-<file path=ppt/slides/slide11.xml><?xml version="1.0" encoding="utf-8"?>
+<file path=ppt/slides/slide12.xml><?xml version="1.0" encoding="utf-8"?>
 <p:sld xmlns:a="http://schemas.openxmlformats.org/drawingml/2006/main" xmlns:r="http://schemas.openxmlformats.org/officeDocument/2006/relationships" xmlns:p="http://schemas.openxmlformats.org/presentationml/2006/main">
   <p:cSld>
     <p:bg>
@@ -9158,7 +9335,7 @@
 </p:sld>
 </file>
 
-<file path=ppt/slides/slide12.xml><?xml version="1.0" encoding="utf-8"?>
+<file path=ppt/slides/slide13.xml><?xml version="1.0" encoding="utf-8"?>
 <p:sld xmlns:a="http://schemas.openxmlformats.org/drawingml/2006/main" xmlns:r="http://schemas.openxmlformats.org/officeDocument/2006/relationships" xmlns:p="http://schemas.openxmlformats.org/presentationml/2006/main">
   <p:cSld>
     <p:spTree>
@@ -9283,7 +9460,7 @@
 </p:sld>
 </file>
 
-<file path=ppt/slides/slide13.xml><?xml version="1.0" encoding="utf-8"?>
+<file path=ppt/slides/slide14.xml><?xml version="1.0" encoding="utf-8"?>
 <p:sld xmlns:a="http://schemas.openxmlformats.org/drawingml/2006/main" xmlns:r="http://schemas.openxmlformats.org/officeDocument/2006/relationships" xmlns:p="http://schemas.openxmlformats.org/presentationml/2006/main">
   <p:cSld>
     <p:spTree>
@@ -9377,7 +9554,7 @@
 </p:sld>
 </file>
 
-<file path=ppt/slides/slide14.xml><?xml version="1.0" encoding="utf-8"?>
+<file path=ppt/slides/slide15.xml><?xml version="1.0" encoding="utf-8"?>
 <p:sld xmlns:a="http://schemas.openxmlformats.org/drawingml/2006/main" xmlns:r="http://schemas.openxmlformats.org/officeDocument/2006/relationships" xmlns:p="http://schemas.openxmlformats.org/presentationml/2006/main">
   <p:cSld>
     <p:spTree>
@@ -9501,7 +9678,7 @@
 </p:sld>
 </file>
 
-<file path=ppt/slides/slide15.xml><?xml version="1.0" encoding="utf-8"?>
+<file path=ppt/slides/slide16.xml><?xml version="1.0" encoding="utf-8"?>
 <p:sld xmlns:a="http://schemas.openxmlformats.org/drawingml/2006/main" xmlns:r="http://schemas.openxmlformats.org/officeDocument/2006/relationships" xmlns:p="http://schemas.openxmlformats.org/presentationml/2006/main">
   <p:cSld>
     <p:bg>
@@ -9688,7 +9865,7 @@
 </p:sld>
 </file>
 
-<file path=ppt/slides/slide16.xml><?xml version="1.0" encoding="utf-8"?>
+<file path=ppt/slides/slide17.xml><?xml version="1.0" encoding="utf-8"?>
 <p:sld xmlns:a="http://schemas.openxmlformats.org/drawingml/2006/main" xmlns:r="http://schemas.openxmlformats.org/officeDocument/2006/relationships" xmlns:p="http://schemas.openxmlformats.org/presentationml/2006/main">
   <p:cSld>
     <p:spTree>
@@ -9721,12 +9898,22 @@
             <p:ph type="title"/>
           </p:nvPr>
         </p:nvSpPr>
-        <p:spPr/>
+        <p:spPr>
+          <a:xfrm>
+            <a:off x="838200" y="154745"/>
+            <a:ext cx="10515600" cy="661181"/>
+          </a:xfrm>
+        </p:spPr>
         <p:txBody>
-          <a:bodyPr/>
+          <a:bodyPr>
+            <a:normAutofit fontScale="90000"/>
+          </a:bodyPr>
           <a:lstStyle/>
           <a:p>
-            <a:endParaRPr lang="en-US" dirty="0"/>
+            <a:r>
+              <a:rPr lang="en-US" dirty="0"/>
+              <a:t>Plot of personal loan</a:t>
+            </a:r>
           </a:p>
         </p:txBody>
       </p:sp>
@@ -9754,195 +9941,74 @@
         </p:blipFill>
         <p:spPr>
           <a:xfrm>
-            <a:off x="2096086" y="1885071"/>
-            <a:ext cx="8046719" cy="4501661"/>
+            <a:off x="344558" y="815926"/>
+            <a:ext cx="11009242" cy="4668639"/>
           </a:xfrm>
         </p:spPr>
       </p:pic>
-    </p:spTree>
-    <p:extLst>
-      <p:ext uri="{BB962C8B-B14F-4D97-AF65-F5344CB8AC3E}">
-        <p14:creationId xmlns:p14="http://schemas.microsoft.com/office/powerpoint/2010/main" val="143703180"/>
-      </p:ext>
-    </p:extLst>
-  </p:cSld>
-  <p:clrMapOvr>
-    <a:masterClrMapping/>
-  </p:clrMapOvr>
-</p:sld>
-</file>
-
-<file path=ppt/slides/slide17.xml><?xml version="1.0" encoding="utf-8"?>
-<p:sld xmlns:a="http://schemas.openxmlformats.org/drawingml/2006/main" xmlns:r="http://schemas.openxmlformats.org/officeDocument/2006/relationships" xmlns:p="http://schemas.openxmlformats.org/presentationml/2006/main">
-  <p:cSld>
-    <p:bg>
-      <p:bgPr>
-        <a:solidFill>
-          <a:schemeClr val="bg1"/>
-        </a:solidFill>
-        <a:effectLst/>
-      </p:bgPr>
-    </p:bg>
-    <p:spTree>
-      <p:nvGrpSpPr>
-        <p:cNvPr id="1" name=""/>
-        <p:cNvGrpSpPr/>
-        <p:nvPr/>
-      </p:nvGrpSpPr>
-      <p:grpSpPr>
-        <a:xfrm>
-          <a:off x="0" y="0"/>
-          <a:ext cx="0" cy="0"/>
-          <a:chOff x="0" y="0"/>
-          <a:chExt cx="0" cy="0"/>
-        </a:xfrm>
-      </p:grpSpPr>
       <p:sp>
         <p:nvSpPr>
-          <p:cNvPr id="16" name="Down Arrow 7">
+          <p:cNvPr id="3" name="Title 1">
             <a:extLst>
               <a:ext uri="{FF2B5EF4-FFF2-40B4-BE49-F238E27FC236}">
-                <a16:creationId xmlns:a16="http://schemas.microsoft.com/office/drawing/2014/main" id="{D4771268-CB57-404A-9271-370EB28F6090}"/>
-              </a:ext>
-              <a:ext uri="{C183D7F6-B498-43B3-948B-1728B52AA6E4}">
-                <adec:decorative xmlns:adec="http://schemas.microsoft.com/office/drawing/2017/decorative" val="1"/>
+                <a16:creationId xmlns:a16="http://schemas.microsoft.com/office/drawing/2014/main" id="{D195A3A4-3955-E604-999E-619A9EC8046D}"/>
               </a:ext>
             </a:extLst>
           </p:cNvPr>
-          <p:cNvSpPr>
-            <a:spLocks noGrp="1" noRot="1" noChangeAspect="1" noMove="1" noResize="1" noEditPoints="1" noAdjustHandles="1" noChangeArrowheads="1" noChangeShapeType="1" noTextEdit="1"/>
+          <p:cNvSpPr txBox="1">
+            <a:spLocks/>
           </p:cNvSpPr>
-          <p:nvPr>
-            <p:extLst>
-              <p:ext uri="{386F3935-93C4-4BCD-93E2-E3B085C9AB24}">
-                <p16:designElem xmlns:p16="http://schemas.microsoft.com/office/powerpoint/2015/main" val="1"/>
-              </p:ext>
-            </p:extLst>
-          </p:nvPr>
-        </p:nvSpPr>
-        <p:spPr>
-          <a:xfrm rot="16200000">
-            <a:off x="800100" y="1491343"/>
-            <a:ext cx="3333749" cy="3499103"/>
-          </a:xfrm>
-          <a:prstGeom prst="downArrow">
-            <a:avLst>
-              <a:gd name="adj1" fmla="val 100000"/>
-              <a:gd name="adj2" fmla="val 15788"/>
-            </a:avLst>
-          </a:prstGeom>
-          <a:solidFill>
-            <a:srgbClr val="404040"/>
-          </a:solidFill>
-          <a:ln w="53975">
-            <a:noFill/>
-          </a:ln>
-        </p:spPr>
-        <p:style>
-          <a:lnRef idx="2">
-            <a:schemeClr val="accent1">
-              <a:shade val="50000"/>
-            </a:schemeClr>
-          </a:lnRef>
-          <a:fillRef idx="1">
-            <a:schemeClr val="accent1"/>
-          </a:fillRef>
-          <a:effectRef idx="0">
-            <a:schemeClr val="accent1"/>
-          </a:effectRef>
-          <a:fontRef idx="minor">
-            <a:schemeClr val="lt1"/>
-          </a:fontRef>
-        </p:style>
-        <p:txBody>
-          <a:bodyPr rtlCol="0" anchor="ctr"/>
-          <a:lstStyle/>
-          <a:p>
-            <a:pPr algn="ctr"/>
-            <a:endParaRPr lang="en-US"/>
-          </a:p>
-        </p:txBody>
-      </p:sp>
-      <p:sp>
-        <p:nvSpPr>
-          <p:cNvPr id="2" name="Title 1">
-            <a:extLst>
-              <a:ext uri="{FF2B5EF4-FFF2-40B4-BE49-F238E27FC236}">
-                <a16:creationId xmlns:a16="http://schemas.microsoft.com/office/drawing/2014/main" id="{7F3AB130-1CCD-229B-5B7B-C482526CA2E1}"/>
-              </a:ext>
-            </a:extLst>
-          </p:cNvPr>
-          <p:cNvSpPr>
-            <a:spLocks noGrp="1"/>
-          </p:cNvSpPr>
-          <p:nvPr>
-            <p:ph type="title"/>
-          </p:nvPr>
+          <p:nvPr/>
         </p:nvSpPr>
         <p:spPr>
           <a:xfrm>
-            <a:off x="1028700" y="1967266"/>
-            <a:ext cx="2628900" cy="2547257"/>
-          </a:xfrm>
-          <a:noFill/>
-        </p:spPr>
-        <p:txBody>
-          <a:bodyPr vert="horz" lIns="91440" tIns="45720" rIns="91440" bIns="45720" rtlCol="0" anchor="ctr">
-            <a:normAutofit/>
-          </a:bodyPr>
-          <a:lstStyle/>
-          <a:p>
-            <a:pPr algn="ctr"/>
-            <a:r>
-              <a:rPr lang="en-US" sz="3100" kern="1200">
-                <a:solidFill>
-                  <a:srgbClr val="FFFFFF"/>
-                </a:solidFill>
-                <a:latin typeface="+mj-lt"/>
-                <a:ea typeface="+mj-ea"/>
-                <a:cs typeface="+mj-cs"/>
-              </a:rPr>
-              <a:t>Heatmap of the correlation among the variables in the dataset</a:t>
-            </a:r>
-          </a:p>
-        </p:txBody>
-      </p:sp>
-      <p:pic>
-        <p:nvPicPr>
-          <p:cNvPr id="5" name="Content Placeholder 4">
-            <a:extLst>
-              <a:ext uri="{FF2B5EF4-FFF2-40B4-BE49-F238E27FC236}">
-                <a16:creationId xmlns:a16="http://schemas.microsoft.com/office/drawing/2014/main" id="{F7377CF9-742E-20A1-2D4D-FB445B045431}"/>
-              </a:ext>
-            </a:extLst>
-          </p:cNvPr>
-          <p:cNvPicPr>
-            <a:picLocks noGrp="1" noChangeAspect="1"/>
-          </p:cNvPicPr>
-          <p:nvPr>
-            <p:ph idx="1"/>
-          </p:nvPr>
-        </p:nvPicPr>
-        <p:blipFill>
-          <a:blip r:embed="rId2"/>
-          <a:stretch>
-            <a:fillRect/>
-          </a:stretch>
-        </p:blipFill>
-        <p:spPr>
-          <a:xfrm>
-            <a:off x="4375052" y="239152"/>
-            <a:ext cx="7526216" cy="6288258"/>
+            <a:off x="838200" y="5613009"/>
+            <a:ext cx="10515600" cy="942536"/>
           </a:xfrm>
           <a:prstGeom prst="rect">
             <a:avLst/>
           </a:prstGeom>
         </p:spPr>
-      </p:pic>
+        <p:txBody>
+          <a:bodyPr vert="horz" lIns="91440" tIns="45720" rIns="91440" bIns="45720" rtlCol="0" anchor="ctr">
+            <a:normAutofit fontScale="82500" lnSpcReduction="20000"/>
+          </a:bodyPr>
+          <a:lstStyle>
+            <a:lvl1pPr algn="l" defTabSz="914400" rtl="0" eaLnBrk="1" latinLnBrk="0" hangingPunct="1">
+              <a:lnSpc>
+                <a:spcPct val="90000"/>
+              </a:lnSpc>
+              <a:spcBef>
+                <a:spcPct val="0"/>
+              </a:spcBef>
+              <a:buNone/>
+              <a:defRPr sz="4400" kern="1200">
+                <a:solidFill>
+                  <a:schemeClr val="tx1"/>
+                </a:solidFill>
+                <a:latin typeface="+mj-lt"/>
+                <a:ea typeface="+mj-ea"/>
+                <a:cs typeface="+mj-cs"/>
+              </a:defRPr>
+            </a:lvl1pPr>
+          </a:lstStyle>
+          <a:p>
+            <a:r>
+              <a:rPr lang="en-US" dirty="0"/>
+              <a:t>Most of the customer did not purchase the loan even after </a:t>
+            </a:r>
+            <a:r>
+              <a:rPr lang="en-US"/>
+              <a:t>the campaign</a:t>
+            </a:r>
+            <a:endParaRPr lang="en-US" dirty="0"/>
+          </a:p>
+        </p:txBody>
+      </p:sp>
     </p:spTree>
     <p:extLst>
       <p:ext uri="{BB962C8B-B14F-4D97-AF65-F5344CB8AC3E}">
-        <p14:creationId xmlns:p14="http://schemas.microsoft.com/office/powerpoint/2010/main" val="3716562106"/>
+        <p14:creationId xmlns:p14="http://schemas.microsoft.com/office/powerpoint/2010/main" val="143703180"/>
       </p:ext>
     </p:extLst>
   </p:cSld>
@@ -9969,12 +10035,42 @@
           <a:chExt cx="0" cy="0"/>
         </a:xfrm>
       </p:grpSpPr>
+      <p:pic>
+        <p:nvPicPr>
+          <p:cNvPr id="5" name="Picture 4">
+            <a:extLst>
+              <a:ext uri="{FF2B5EF4-FFF2-40B4-BE49-F238E27FC236}">
+                <a16:creationId xmlns:a16="http://schemas.microsoft.com/office/drawing/2014/main" id="{090E2ECE-3B84-7161-8B21-835C20BAA551}"/>
+              </a:ext>
+            </a:extLst>
+          </p:cNvPr>
+          <p:cNvPicPr>
+            <a:picLocks noChangeAspect="1"/>
+          </p:cNvPicPr>
+          <p:nvPr/>
+        </p:nvPicPr>
+        <p:blipFill>
+          <a:blip r:embed="rId2"/>
+          <a:stretch>
+            <a:fillRect/>
+          </a:stretch>
+        </p:blipFill>
+        <p:spPr>
+          <a:xfrm>
+            <a:off x="291548" y="376238"/>
+            <a:ext cx="11661912" cy="4800674"/>
+          </a:xfrm>
+          <a:prstGeom prst="rect">
+            <a:avLst/>
+          </a:prstGeom>
+        </p:spPr>
+      </p:pic>
       <p:sp>
         <p:nvSpPr>
           <p:cNvPr id="2" name="Title 1">
             <a:extLst>
               <a:ext uri="{FF2B5EF4-FFF2-40B4-BE49-F238E27FC236}">
-                <a16:creationId xmlns:a16="http://schemas.microsoft.com/office/drawing/2014/main" id="{5C47A025-8A7C-09E8-AD22-C0438ED40132}"/>
+                <a16:creationId xmlns:a16="http://schemas.microsoft.com/office/drawing/2014/main" id="{37C508D5-92D1-E0B2-CB0B-2DBE7CBBD3EE}"/>
               </a:ext>
             </a:extLst>
           </p:cNvPr>
@@ -9985,58 +10081,29 @@
             <p:ph type="title"/>
           </p:nvPr>
         </p:nvSpPr>
-        <p:spPr/>
-        <p:txBody>
-          <a:bodyPr/>
-          <a:lstStyle/>
-          <a:p>
-            <a:endParaRPr lang="en-US"/>
-          </a:p>
-        </p:txBody>
-      </p:sp>
-      <p:sp>
-        <p:nvSpPr>
-          <p:cNvPr id="3" name="Content Placeholder 2">
-            <a:extLst>
-              <a:ext uri="{FF2B5EF4-FFF2-40B4-BE49-F238E27FC236}">
-                <a16:creationId xmlns:a16="http://schemas.microsoft.com/office/drawing/2014/main" id="{F644DAB9-A785-6203-8917-30B08F38D412}"/>
-              </a:ext>
-            </a:extLst>
-          </p:cNvPr>
-          <p:cNvSpPr>
-            <a:spLocks noGrp="1"/>
-          </p:cNvSpPr>
-          <p:nvPr>
-            <p:ph idx="1"/>
-          </p:nvPr>
-        </p:nvSpPr>
-        <p:spPr/>
+        <p:spPr>
+          <a:xfrm>
+            <a:off x="838200" y="5408063"/>
+            <a:ext cx="10978662" cy="943170"/>
+          </a:xfrm>
+        </p:spPr>
         <p:txBody>
           <a:bodyPr>
-            <a:normAutofit/>
+            <a:normAutofit fontScale="90000"/>
           </a:bodyPr>
           <a:lstStyle/>
           <a:p>
             <a:r>
-              <a:rPr lang="en-US" sz="4000" dirty="0"/>
-              <a:t>To address the problem of Multicollinearity, we identify predetermined data with high correlation (assume high correlation  limit is 0.70000) and drop one(Age). </a:t>
+              <a:rPr lang="en-US" dirty="0"/>
+              <a:t>Most of the customer do not have Securities account</a:t>
             </a:r>
-          </a:p>
-          <a:p>
-            <a:r>
-              <a:rPr lang="en-US" sz="4000" dirty="0"/>
-              <a:t> Add addition column</a:t>
-            </a:r>
-          </a:p>
-          <a:p>
-            <a:endParaRPr lang="en-US" sz="4000" dirty="0"/>
           </a:p>
         </p:txBody>
       </p:sp>
     </p:spTree>
     <p:extLst>
       <p:ext uri="{BB962C8B-B14F-4D97-AF65-F5344CB8AC3E}">
-        <p14:creationId xmlns:p14="http://schemas.microsoft.com/office/powerpoint/2010/main" val="3586609282"/>
+        <p14:creationId xmlns:p14="http://schemas.microsoft.com/office/powerpoint/2010/main" val="513865755"/>
       </p:ext>
     </p:extLst>
   </p:cSld>
@@ -10068,7 +10135,7 @@
           <p:cNvPr id="2" name="Title 1">
             <a:extLst>
               <a:ext uri="{FF2B5EF4-FFF2-40B4-BE49-F238E27FC236}">
-                <a16:creationId xmlns:a16="http://schemas.microsoft.com/office/drawing/2014/main" id="{13A05201-09E7-9AF1-F30E-A1AE13EE87BE}"/>
+                <a16:creationId xmlns:a16="http://schemas.microsoft.com/office/drawing/2014/main" id="{828B8729-D189-163C-8F3F-17A77A3DCA28}"/>
               </a:ext>
             </a:extLst>
           </p:cNvPr>
@@ -10081,8 +10148,8 @@
         </p:nvSpPr>
         <p:spPr>
           <a:xfrm>
-            <a:off x="838200" y="0"/>
-            <a:ext cx="10515600" cy="774358"/>
+            <a:off x="838200" y="5408063"/>
+            <a:ext cx="10515600" cy="943170"/>
           </a:xfrm>
         </p:spPr>
         <p:txBody>
@@ -10093,44 +10160,51 @@
           <a:p>
             <a:r>
               <a:rPr lang="en-US" dirty="0"/>
-              <a:t>pair plot of how each data relate with each other</a:t>
+              <a:t>Most of the customer do not have CD account</a:t>
             </a:r>
           </a:p>
         </p:txBody>
       </p:sp>
       <p:pic>
         <p:nvPicPr>
-          <p:cNvPr id="5" name="Content Placeholder 4">
+          <p:cNvPr id="7" name="Picture 6" descr="A blue and orange bar graph">
             <a:extLst>
               <a:ext uri="{FF2B5EF4-FFF2-40B4-BE49-F238E27FC236}">
-                <a16:creationId xmlns:a16="http://schemas.microsoft.com/office/drawing/2014/main" id="{1795008A-3236-0841-C34D-2C43BFF912BA}"/>
+                <a16:creationId xmlns:a16="http://schemas.microsoft.com/office/drawing/2014/main" id="{B9199588-10A0-A06F-BDBA-8DD80E739550}"/>
               </a:ext>
             </a:extLst>
           </p:cNvPr>
           <p:cNvPicPr>
-            <a:picLocks noGrp="1" noChangeAspect="1"/>
+            <a:picLocks noChangeAspect="1"/>
           </p:cNvPicPr>
-          <p:nvPr>
-            <p:ph idx="1"/>
-          </p:nvPr>
+          <p:nvPr/>
         </p:nvPicPr>
         <p:blipFill>
-          <a:blip r:embed="rId2"/>
+          <a:blip r:embed="rId2">
+            <a:extLst>
+              <a:ext uri="{28A0092B-C50C-407E-A947-70E740481C1C}">
+                <a14:useLocalDpi xmlns:a14="http://schemas.microsoft.com/office/drawing/2010/main" val="0"/>
+              </a:ext>
+            </a:extLst>
+          </a:blip>
           <a:stretch>
             <a:fillRect/>
           </a:stretch>
         </p:blipFill>
         <p:spPr>
           <a:xfrm>
-            <a:off x="590843" y="886265"/>
-            <a:ext cx="11422967" cy="5290698"/>
+            <a:off x="675249" y="613389"/>
+            <a:ext cx="10958733" cy="4479115"/>
           </a:xfrm>
+          <a:prstGeom prst="rect">
+            <a:avLst/>
+          </a:prstGeom>
         </p:spPr>
       </p:pic>
     </p:spTree>
     <p:extLst>
       <p:ext uri="{BB962C8B-B14F-4D97-AF65-F5344CB8AC3E}">
-        <p14:creationId xmlns:p14="http://schemas.microsoft.com/office/powerpoint/2010/main" val="486606605"/>
+        <p14:creationId xmlns:p14="http://schemas.microsoft.com/office/powerpoint/2010/main" val="1103403318"/>
       </p:ext>
     </p:extLst>
   </p:cSld>
@@ -10556,6 +10630,374 @@
 <file path=ppt/slides/slide20.xml><?xml version="1.0" encoding="utf-8"?>
 <p:sld xmlns:a="http://schemas.openxmlformats.org/drawingml/2006/main" xmlns:r="http://schemas.openxmlformats.org/officeDocument/2006/relationships" xmlns:p="http://schemas.openxmlformats.org/presentationml/2006/main">
   <p:cSld>
+    <p:bg>
+      <p:bgPr>
+        <a:solidFill>
+          <a:schemeClr val="bg1"/>
+        </a:solidFill>
+        <a:effectLst/>
+      </p:bgPr>
+    </p:bg>
+    <p:spTree>
+      <p:nvGrpSpPr>
+        <p:cNvPr id="1" name=""/>
+        <p:cNvGrpSpPr/>
+        <p:nvPr/>
+      </p:nvGrpSpPr>
+      <p:grpSpPr>
+        <a:xfrm>
+          <a:off x="0" y="0"/>
+          <a:ext cx="0" cy="0"/>
+          <a:chOff x="0" y="0"/>
+          <a:chExt cx="0" cy="0"/>
+        </a:xfrm>
+      </p:grpSpPr>
+      <p:sp>
+        <p:nvSpPr>
+          <p:cNvPr id="16" name="Down Arrow 7">
+            <a:extLst>
+              <a:ext uri="{FF2B5EF4-FFF2-40B4-BE49-F238E27FC236}">
+                <a16:creationId xmlns:a16="http://schemas.microsoft.com/office/drawing/2014/main" id="{D4771268-CB57-404A-9271-370EB28F6090}"/>
+              </a:ext>
+              <a:ext uri="{C183D7F6-B498-43B3-948B-1728B52AA6E4}">
+                <adec:decorative xmlns:adec="http://schemas.microsoft.com/office/drawing/2017/decorative" val="1"/>
+              </a:ext>
+            </a:extLst>
+          </p:cNvPr>
+          <p:cNvSpPr>
+            <a:spLocks noGrp="1" noRot="1" noChangeAspect="1" noMove="1" noResize="1" noEditPoints="1" noAdjustHandles="1" noChangeArrowheads="1" noChangeShapeType="1" noTextEdit="1"/>
+          </p:cNvSpPr>
+          <p:nvPr>
+            <p:extLst>
+              <p:ext uri="{386F3935-93C4-4BCD-93E2-E3B085C9AB24}">
+                <p16:designElem xmlns:p16="http://schemas.microsoft.com/office/powerpoint/2015/main" val="1"/>
+              </p:ext>
+            </p:extLst>
+          </p:nvPr>
+        </p:nvSpPr>
+        <p:spPr>
+          <a:xfrm rot="16200000">
+            <a:off x="800100" y="1491343"/>
+            <a:ext cx="3333749" cy="3499103"/>
+          </a:xfrm>
+          <a:prstGeom prst="downArrow">
+            <a:avLst>
+              <a:gd name="adj1" fmla="val 100000"/>
+              <a:gd name="adj2" fmla="val 15788"/>
+            </a:avLst>
+          </a:prstGeom>
+          <a:solidFill>
+            <a:srgbClr val="404040"/>
+          </a:solidFill>
+          <a:ln w="53975">
+            <a:noFill/>
+          </a:ln>
+        </p:spPr>
+        <p:style>
+          <a:lnRef idx="2">
+            <a:schemeClr val="accent1">
+              <a:shade val="50000"/>
+            </a:schemeClr>
+          </a:lnRef>
+          <a:fillRef idx="1">
+            <a:schemeClr val="accent1"/>
+          </a:fillRef>
+          <a:effectRef idx="0">
+            <a:schemeClr val="accent1"/>
+          </a:effectRef>
+          <a:fontRef idx="minor">
+            <a:schemeClr val="lt1"/>
+          </a:fontRef>
+        </p:style>
+        <p:txBody>
+          <a:bodyPr rtlCol="0" anchor="ctr"/>
+          <a:lstStyle/>
+          <a:p>
+            <a:pPr algn="ctr"/>
+            <a:endParaRPr lang="en-US"/>
+          </a:p>
+        </p:txBody>
+      </p:sp>
+      <p:sp>
+        <p:nvSpPr>
+          <p:cNvPr id="2" name="Title 1">
+            <a:extLst>
+              <a:ext uri="{FF2B5EF4-FFF2-40B4-BE49-F238E27FC236}">
+                <a16:creationId xmlns:a16="http://schemas.microsoft.com/office/drawing/2014/main" id="{7F3AB130-1CCD-229B-5B7B-C482526CA2E1}"/>
+              </a:ext>
+            </a:extLst>
+          </p:cNvPr>
+          <p:cNvSpPr>
+            <a:spLocks noGrp="1"/>
+          </p:cNvSpPr>
+          <p:nvPr>
+            <p:ph type="title"/>
+          </p:nvPr>
+        </p:nvSpPr>
+        <p:spPr>
+          <a:xfrm>
+            <a:off x="1028700" y="1967266"/>
+            <a:ext cx="2628900" cy="2547257"/>
+          </a:xfrm>
+          <a:noFill/>
+        </p:spPr>
+        <p:txBody>
+          <a:bodyPr vert="horz" lIns="91440" tIns="45720" rIns="91440" bIns="45720" rtlCol="0" anchor="ctr">
+            <a:normAutofit/>
+          </a:bodyPr>
+          <a:lstStyle/>
+          <a:p>
+            <a:pPr algn="ctr"/>
+            <a:r>
+              <a:rPr lang="en-US" sz="3100" kern="1200">
+                <a:solidFill>
+                  <a:srgbClr val="FFFFFF"/>
+                </a:solidFill>
+                <a:latin typeface="+mj-lt"/>
+                <a:ea typeface="+mj-ea"/>
+                <a:cs typeface="+mj-cs"/>
+              </a:rPr>
+              <a:t>Heatmap of the correlation among the variables in the dataset</a:t>
+            </a:r>
+          </a:p>
+        </p:txBody>
+      </p:sp>
+      <p:pic>
+        <p:nvPicPr>
+          <p:cNvPr id="5" name="Content Placeholder 4">
+            <a:extLst>
+              <a:ext uri="{FF2B5EF4-FFF2-40B4-BE49-F238E27FC236}">
+                <a16:creationId xmlns:a16="http://schemas.microsoft.com/office/drawing/2014/main" id="{F7377CF9-742E-20A1-2D4D-FB445B045431}"/>
+              </a:ext>
+            </a:extLst>
+          </p:cNvPr>
+          <p:cNvPicPr>
+            <a:picLocks noGrp="1" noChangeAspect="1"/>
+          </p:cNvPicPr>
+          <p:nvPr>
+            <p:ph idx="1"/>
+          </p:nvPr>
+        </p:nvPicPr>
+        <p:blipFill>
+          <a:blip r:embed="rId2"/>
+          <a:stretch>
+            <a:fillRect/>
+          </a:stretch>
+        </p:blipFill>
+        <p:spPr>
+          <a:xfrm>
+            <a:off x="4375052" y="239152"/>
+            <a:ext cx="7526216" cy="6288258"/>
+          </a:xfrm>
+          <a:prstGeom prst="rect">
+            <a:avLst/>
+          </a:prstGeom>
+        </p:spPr>
+      </p:pic>
+    </p:spTree>
+    <p:extLst>
+      <p:ext uri="{BB962C8B-B14F-4D97-AF65-F5344CB8AC3E}">
+        <p14:creationId xmlns:p14="http://schemas.microsoft.com/office/powerpoint/2010/main" val="3716562106"/>
+      </p:ext>
+    </p:extLst>
+  </p:cSld>
+  <p:clrMapOvr>
+    <a:masterClrMapping/>
+  </p:clrMapOvr>
+</p:sld>
+</file>
+
+<file path=ppt/slides/slide21.xml><?xml version="1.0" encoding="utf-8"?>
+<p:sld xmlns:a="http://schemas.openxmlformats.org/drawingml/2006/main" xmlns:r="http://schemas.openxmlformats.org/officeDocument/2006/relationships" xmlns:p="http://schemas.openxmlformats.org/presentationml/2006/main">
+  <p:cSld>
+    <p:spTree>
+      <p:nvGrpSpPr>
+        <p:cNvPr id="1" name=""/>
+        <p:cNvGrpSpPr/>
+        <p:nvPr/>
+      </p:nvGrpSpPr>
+      <p:grpSpPr>
+        <a:xfrm>
+          <a:off x="0" y="0"/>
+          <a:ext cx="0" cy="0"/>
+          <a:chOff x="0" y="0"/>
+          <a:chExt cx="0" cy="0"/>
+        </a:xfrm>
+      </p:grpSpPr>
+      <p:sp>
+        <p:nvSpPr>
+          <p:cNvPr id="2" name="Title 1">
+            <a:extLst>
+              <a:ext uri="{FF2B5EF4-FFF2-40B4-BE49-F238E27FC236}">
+                <a16:creationId xmlns:a16="http://schemas.microsoft.com/office/drawing/2014/main" id="{5C47A025-8A7C-09E8-AD22-C0438ED40132}"/>
+              </a:ext>
+            </a:extLst>
+          </p:cNvPr>
+          <p:cNvSpPr>
+            <a:spLocks noGrp="1"/>
+          </p:cNvSpPr>
+          <p:nvPr>
+            <p:ph type="title"/>
+          </p:nvPr>
+        </p:nvSpPr>
+        <p:spPr/>
+        <p:txBody>
+          <a:bodyPr/>
+          <a:lstStyle/>
+          <a:p>
+            <a:endParaRPr lang="en-US"/>
+          </a:p>
+        </p:txBody>
+      </p:sp>
+      <p:sp>
+        <p:nvSpPr>
+          <p:cNvPr id="3" name="Content Placeholder 2">
+            <a:extLst>
+              <a:ext uri="{FF2B5EF4-FFF2-40B4-BE49-F238E27FC236}">
+                <a16:creationId xmlns:a16="http://schemas.microsoft.com/office/drawing/2014/main" id="{F644DAB9-A785-6203-8917-30B08F38D412}"/>
+              </a:ext>
+            </a:extLst>
+          </p:cNvPr>
+          <p:cNvSpPr>
+            <a:spLocks noGrp="1"/>
+          </p:cNvSpPr>
+          <p:nvPr>
+            <p:ph idx="1"/>
+          </p:nvPr>
+        </p:nvSpPr>
+        <p:spPr/>
+        <p:txBody>
+          <a:bodyPr>
+            <a:normAutofit/>
+          </a:bodyPr>
+          <a:lstStyle/>
+          <a:p>
+            <a:r>
+              <a:rPr lang="en-US" sz="4000" dirty="0"/>
+              <a:t>To address the problem of Multicollinearity, we identify predetermined data with high correlation (assume high correlation  limit is 0.70000) and drop one(Age). </a:t>
+            </a:r>
+          </a:p>
+          <a:p>
+            <a:r>
+              <a:rPr lang="en-US" sz="4000" dirty="0"/>
+              <a:t> Add addition column</a:t>
+            </a:r>
+          </a:p>
+          <a:p>
+            <a:endParaRPr lang="en-US" sz="4000" dirty="0"/>
+          </a:p>
+        </p:txBody>
+      </p:sp>
+    </p:spTree>
+    <p:extLst>
+      <p:ext uri="{BB962C8B-B14F-4D97-AF65-F5344CB8AC3E}">
+        <p14:creationId xmlns:p14="http://schemas.microsoft.com/office/powerpoint/2010/main" val="3586609282"/>
+      </p:ext>
+    </p:extLst>
+  </p:cSld>
+  <p:clrMapOvr>
+    <a:masterClrMapping/>
+  </p:clrMapOvr>
+</p:sld>
+</file>
+
+<file path=ppt/slides/slide22.xml><?xml version="1.0" encoding="utf-8"?>
+<p:sld xmlns:a="http://schemas.openxmlformats.org/drawingml/2006/main" xmlns:r="http://schemas.openxmlformats.org/officeDocument/2006/relationships" xmlns:p="http://schemas.openxmlformats.org/presentationml/2006/main">
+  <p:cSld>
+    <p:spTree>
+      <p:nvGrpSpPr>
+        <p:cNvPr id="1" name=""/>
+        <p:cNvGrpSpPr/>
+        <p:nvPr/>
+      </p:nvGrpSpPr>
+      <p:grpSpPr>
+        <a:xfrm>
+          <a:off x="0" y="0"/>
+          <a:ext cx="0" cy="0"/>
+          <a:chOff x="0" y="0"/>
+          <a:chExt cx="0" cy="0"/>
+        </a:xfrm>
+      </p:grpSpPr>
+      <p:sp>
+        <p:nvSpPr>
+          <p:cNvPr id="2" name="Title 1">
+            <a:extLst>
+              <a:ext uri="{FF2B5EF4-FFF2-40B4-BE49-F238E27FC236}">
+                <a16:creationId xmlns:a16="http://schemas.microsoft.com/office/drawing/2014/main" id="{13A05201-09E7-9AF1-F30E-A1AE13EE87BE}"/>
+              </a:ext>
+            </a:extLst>
+          </p:cNvPr>
+          <p:cNvSpPr>
+            <a:spLocks noGrp="1"/>
+          </p:cNvSpPr>
+          <p:nvPr>
+            <p:ph type="title"/>
+          </p:nvPr>
+        </p:nvSpPr>
+        <p:spPr>
+          <a:xfrm>
+            <a:off x="838200" y="0"/>
+            <a:ext cx="10515600" cy="774358"/>
+          </a:xfrm>
+        </p:spPr>
+        <p:txBody>
+          <a:bodyPr>
+            <a:normAutofit fontScale="90000"/>
+          </a:bodyPr>
+          <a:lstStyle/>
+          <a:p>
+            <a:r>
+              <a:rPr lang="en-US" dirty="0"/>
+              <a:t>pair plot of how each data relate with each other</a:t>
+            </a:r>
+          </a:p>
+        </p:txBody>
+      </p:sp>
+      <p:pic>
+        <p:nvPicPr>
+          <p:cNvPr id="5" name="Content Placeholder 4">
+            <a:extLst>
+              <a:ext uri="{FF2B5EF4-FFF2-40B4-BE49-F238E27FC236}">
+                <a16:creationId xmlns:a16="http://schemas.microsoft.com/office/drawing/2014/main" id="{1795008A-3236-0841-C34D-2C43BFF912BA}"/>
+              </a:ext>
+            </a:extLst>
+          </p:cNvPr>
+          <p:cNvPicPr>
+            <a:picLocks noGrp="1" noChangeAspect="1"/>
+          </p:cNvPicPr>
+          <p:nvPr>
+            <p:ph idx="1"/>
+          </p:nvPr>
+        </p:nvPicPr>
+        <p:blipFill>
+          <a:blip r:embed="rId2"/>
+          <a:stretch>
+            <a:fillRect/>
+          </a:stretch>
+        </p:blipFill>
+        <p:spPr>
+          <a:xfrm>
+            <a:off x="590843" y="886265"/>
+            <a:ext cx="11422967" cy="5290698"/>
+          </a:xfrm>
+        </p:spPr>
+      </p:pic>
+    </p:spTree>
+    <p:extLst>
+      <p:ext uri="{BB962C8B-B14F-4D97-AF65-F5344CB8AC3E}">
+        <p14:creationId xmlns:p14="http://schemas.microsoft.com/office/powerpoint/2010/main" val="486606605"/>
+      </p:ext>
+    </p:extLst>
+  </p:cSld>
+  <p:clrMapOvr>
+    <a:masterClrMapping/>
+  </p:clrMapOvr>
+</p:sld>
+</file>
+
+<file path=ppt/slides/slide23.xml><?xml version="1.0" encoding="utf-8"?>
+<p:sld xmlns:a="http://schemas.openxmlformats.org/drawingml/2006/main" xmlns:r="http://schemas.openxmlformats.org/officeDocument/2006/relationships" xmlns:p="http://schemas.openxmlformats.org/presentationml/2006/main">
+  <p:cSld>
     <p:spTree>
       <p:nvGrpSpPr>
         <p:cNvPr id="1" name=""/>
@@ -10647,7 +11089,7 @@
 </p:sld>
 </file>
 
-<file path=ppt/slides/slide21.xml><?xml version="1.0" encoding="utf-8"?>
+<file path=ppt/slides/slide24.xml><?xml version="1.0" encoding="utf-8"?>
 <p:sld xmlns:a="http://schemas.openxmlformats.org/drawingml/2006/main" xmlns:r="http://schemas.openxmlformats.org/officeDocument/2006/relationships" xmlns:p="http://schemas.openxmlformats.org/presentationml/2006/main">
   <p:cSld>
     <p:bg>
@@ -10822,7 +11264,7 @@
 </p:sld>
 </file>
 
-<file path=ppt/slides/slide22.xml><?xml version="1.0" encoding="utf-8"?>
+<file path=ppt/slides/slide25.xml><?xml version="1.0" encoding="utf-8"?>
 <p:sld xmlns:a="http://schemas.openxmlformats.org/drawingml/2006/main" xmlns:r="http://schemas.openxmlformats.org/officeDocument/2006/relationships" xmlns:p="http://schemas.openxmlformats.org/presentationml/2006/main">
   <p:cSld>
     <p:bg>
@@ -11642,7 +12084,7 @@
 </p:sld>
 </file>
 
-<file path=ppt/slides/slide23.xml><?xml version="1.0" encoding="utf-8"?>
+<file path=ppt/slides/slide26.xml><?xml version="1.0" encoding="utf-8"?>
 <p:sld xmlns:a="http://schemas.openxmlformats.org/drawingml/2006/main" xmlns:r="http://schemas.openxmlformats.org/officeDocument/2006/relationships" xmlns:p="http://schemas.openxmlformats.org/presentationml/2006/main">
   <p:cSld>
     <p:spTree>
@@ -11788,7 +12230,7 @@
 </p:sld>
 </file>
 
-<file path=ppt/slides/slide24.xml><?xml version="1.0" encoding="utf-8"?>
+<file path=ppt/slides/slide27.xml><?xml version="1.0" encoding="utf-8"?>
 <p:sld xmlns:a="http://schemas.openxmlformats.org/drawingml/2006/main" xmlns:r="http://schemas.openxmlformats.org/officeDocument/2006/relationships" xmlns:p="http://schemas.openxmlformats.org/presentationml/2006/main">
   <p:cSld>
     <p:bg>
@@ -12369,7 +12811,7 @@
 </p:sld>
 </file>
 
-<file path=ppt/slides/slide25.xml><?xml version="1.0" encoding="utf-8"?>
+<file path=ppt/slides/slide28.xml><?xml version="1.0" encoding="utf-8"?>
 <p:sld xmlns:a="http://schemas.openxmlformats.org/drawingml/2006/main" xmlns:r="http://schemas.openxmlformats.org/officeDocument/2006/relationships" xmlns:p="http://schemas.openxmlformats.org/presentationml/2006/main">
   <p:cSld>
     <p:bg>
@@ -12738,7 +13180,7 @@
 </p:sld>
 </file>
 
-<file path=ppt/slides/slide26.xml><?xml version="1.0" encoding="utf-8"?>
+<file path=ppt/slides/slide29.xml><?xml version="1.0" encoding="utf-8"?>
 <p:sld xmlns:a="http://schemas.openxmlformats.org/drawingml/2006/main" xmlns:r="http://schemas.openxmlformats.org/officeDocument/2006/relationships" xmlns:p="http://schemas.openxmlformats.org/presentationml/2006/main">
   <p:cSld>
     <p:spTree>
@@ -12800,411 +13242,6 @@
     <p:extLst>
       <p:ext uri="{BB962C8B-B14F-4D97-AF65-F5344CB8AC3E}">
         <p14:creationId xmlns:p14="http://schemas.microsoft.com/office/powerpoint/2010/main" val="2448487855"/>
-      </p:ext>
-    </p:extLst>
-  </p:cSld>
-  <p:clrMapOvr>
-    <a:masterClrMapping/>
-  </p:clrMapOvr>
-</p:sld>
-</file>
-
-<file path=ppt/slides/slide27.xml><?xml version="1.0" encoding="utf-8"?>
-<p:sld xmlns:a="http://schemas.openxmlformats.org/drawingml/2006/main" xmlns:r="http://schemas.openxmlformats.org/officeDocument/2006/relationships" xmlns:p="http://schemas.openxmlformats.org/presentationml/2006/main">
-  <p:cSld>
-    <p:spTree>
-      <p:nvGrpSpPr>
-        <p:cNvPr id="1" name=""/>
-        <p:cNvGrpSpPr/>
-        <p:nvPr/>
-      </p:nvGrpSpPr>
-      <p:grpSpPr>
-        <a:xfrm>
-          <a:off x="0" y="0"/>
-          <a:ext cx="0" cy="0"/>
-          <a:chOff x="0" y="0"/>
-          <a:chExt cx="0" cy="0"/>
-        </a:xfrm>
-      </p:grpSpPr>
-      <p:sp>
-        <p:nvSpPr>
-          <p:cNvPr id="2" name="Title 1">
-            <a:extLst>
-              <a:ext uri="{FF2B5EF4-FFF2-40B4-BE49-F238E27FC236}">
-                <a16:creationId xmlns:a16="http://schemas.microsoft.com/office/drawing/2014/main" id="{27B9AC28-390E-B1EE-FF0B-72602F1CAF94}"/>
-              </a:ext>
-            </a:extLst>
-          </p:cNvPr>
-          <p:cNvSpPr>
-            <a:spLocks noGrp="1"/>
-          </p:cNvSpPr>
-          <p:nvPr>
-            <p:ph type="title"/>
-          </p:nvPr>
-        </p:nvSpPr>
-        <p:spPr>
-          <a:xfrm>
-            <a:off x="838200" y="365126"/>
-            <a:ext cx="10515600" cy="937202"/>
-          </a:xfrm>
-        </p:spPr>
-        <p:txBody>
-          <a:bodyPr>
-            <a:normAutofit fontScale="90000"/>
-          </a:bodyPr>
-          <a:lstStyle/>
-          <a:p>
-            <a:r>
-              <a:rPr lang="en-US" dirty="0"/>
-              <a:t>Regression plot of the predicted variable against the actual</a:t>
-            </a:r>
-          </a:p>
-        </p:txBody>
-      </p:sp>
-      <p:pic>
-        <p:nvPicPr>
-          <p:cNvPr id="5" name="Content Placeholder 4">
-            <a:extLst>
-              <a:ext uri="{FF2B5EF4-FFF2-40B4-BE49-F238E27FC236}">
-                <a16:creationId xmlns:a16="http://schemas.microsoft.com/office/drawing/2014/main" id="{366122C6-F64E-ECCE-DCC3-E7560DC951A8}"/>
-              </a:ext>
-            </a:extLst>
-          </p:cNvPr>
-          <p:cNvPicPr>
-            <a:picLocks noGrp="1" noChangeAspect="1"/>
-          </p:cNvPicPr>
-          <p:nvPr>
-            <p:ph idx="1"/>
-          </p:nvPr>
-        </p:nvPicPr>
-        <p:blipFill>
-          <a:blip r:embed="rId2"/>
-          <a:stretch>
-            <a:fillRect/>
-          </a:stretch>
-        </p:blipFill>
-        <p:spPr>
-          <a:xfrm>
-            <a:off x="277090" y="1607127"/>
-            <a:ext cx="11651673" cy="4847641"/>
-          </a:xfrm>
-        </p:spPr>
-      </p:pic>
-    </p:spTree>
-    <p:extLst>
-      <p:ext uri="{BB962C8B-B14F-4D97-AF65-F5344CB8AC3E}">
-        <p14:creationId xmlns:p14="http://schemas.microsoft.com/office/powerpoint/2010/main" val="635613520"/>
-      </p:ext>
-    </p:extLst>
-  </p:cSld>
-  <p:clrMapOvr>
-    <a:masterClrMapping/>
-  </p:clrMapOvr>
-</p:sld>
-</file>
-
-<file path=ppt/slides/slide28.xml><?xml version="1.0" encoding="utf-8"?>
-<p:sld xmlns:a="http://schemas.openxmlformats.org/drawingml/2006/main" xmlns:r="http://schemas.openxmlformats.org/officeDocument/2006/relationships" xmlns:p="http://schemas.openxmlformats.org/presentationml/2006/main">
-  <p:cSld>
-    <p:bg>
-      <p:bgPr>
-        <a:solidFill>
-          <a:schemeClr val="bg1"/>
-        </a:solidFill>
-        <a:effectLst/>
-      </p:bgPr>
-    </p:bg>
-    <p:spTree>
-      <p:nvGrpSpPr>
-        <p:cNvPr id="1" name=""/>
-        <p:cNvGrpSpPr/>
-        <p:nvPr/>
-      </p:nvGrpSpPr>
-      <p:grpSpPr>
-        <a:xfrm>
-          <a:off x="0" y="0"/>
-          <a:ext cx="0" cy="0"/>
-          <a:chOff x="0" y="0"/>
-          <a:chExt cx="0" cy="0"/>
-        </a:xfrm>
-      </p:grpSpPr>
-      <p:sp>
-        <p:nvSpPr>
-          <p:cNvPr id="2" name="Title 1">
-            <a:extLst>
-              <a:ext uri="{FF2B5EF4-FFF2-40B4-BE49-F238E27FC236}">
-                <a16:creationId xmlns:a16="http://schemas.microsoft.com/office/drawing/2014/main" id="{0A08EB1C-7A81-436E-2CC5-E2C8258550C1}"/>
-              </a:ext>
-            </a:extLst>
-          </p:cNvPr>
-          <p:cNvSpPr>
-            <a:spLocks noGrp="1"/>
-          </p:cNvSpPr>
-          <p:nvPr>
-            <p:ph type="title"/>
-          </p:nvPr>
-        </p:nvSpPr>
-        <p:spPr>
-          <a:xfrm>
-            <a:off x="640080" y="2074363"/>
-            <a:ext cx="2752354" cy="2709275"/>
-          </a:xfrm>
-          <a:prstGeom prst="ellipse">
-            <a:avLst/>
-          </a:prstGeom>
-          <a:solidFill>
-            <a:schemeClr val="tx1">
-              <a:lumMod val="85000"/>
-              <a:lumOff val="15000"/>
-            </a:schemeClr>
-          </a:solidFill>
-          <a:ln w="174625" cmpd="thinThick">
-            <a:solidFill>
-              <a:schemeClr val="tx1">
-                <a:lumMod val="85000"/>
-                <a:lumOff val="15000"/>
-              </a:schemeClr>
-            </a:solidFill>
-          </a:ln>
-        </p:spPr>
-        <p:txBody>
-          <a:bodyPr vert="horz" lIns="91440" tIns="45720" rIns="91440" bIns="45720" rtlCol="0" anchor="ctr">
-            <a:normAutofit/>
-          </a:bodyPr>
-          <a:lstStyle/>
-          <a:p>
-            <a:pPr algn="ctr"/>
-            <a:r>
-              <a:rPr lang="en-US" sz="2600" kern="1200" dirty="0">
-                <a:solidFill>
-                  <a:schemeClr val="bg1"/>
-                </a:solidFill>
-                <a:latin typeface="+mj-lt"/>
-                <a:ea typeface="+mj-ea"/>
-                <a:cs typeface="+mj-cs"/>
-              </a:rPr>
-              <a:t>Residual plot</a:t>
-            </a:r>
-          </a:p>
-        </p:txBody>
-      </p:sp>
-      <p:pic>
-        <p:nvPicPr>
-          <p:cNvPr id="5" name="Content Placeholder 4">
-            <a:extLst>
-              <a:ext uri="{FF2B5EF4-FFF2-40B4-BE49-F238E27FC236}">
-                <a16:creationId xmlns:a16="http://schemas.microsoft.com/office/drawing/2014/main" id="{F8D7CA9C-6A5B-BB95-AD48-B017246DA318}"/>
-              </a:ext>
-            </a:extLst>
-          </p:cNvPr>
-          <p:cNvPicPr>
-            <a:picLocks noGrp="1" noChangeAspect="1"/>
-          </p:cNvPicPr>
-          <p:nvPr>
-            <p:ph idx="1"/>
-          </p:nvPr>
-        </p:nvPicPr>
-        <p:blipFill>
-          <a:blip r:embed="rId2"/>
-          <a:stretch>
-            <a:fillRect/>
-          </a:stretch>
-        </p:blipFill>
-        <p:spPr>
-          <a:xfrm>
-            <a:off x="4081670" y="697257"/>
-            <a:ext cx="7341703" cy="5947659"/>
-          </a:xfrm>
-          <a:prstGeom prst="rect">
-            <a:avLst/>
-          </a:prstGeom>
-        </p:spPr>
-      </p:pic>
-    </p:spTree>
-    <p:extLst>
-      <p:ext uri="{BB962C8B-B14F-4D97-AF65-F5344CB8AC3E}">
-        <p14:creationId xmlns:p14="http://schemas.microsoft.com/office/powerpoint/2010/main" val="1516860547"/>
-      </p:ext>
-    </p:extLst>
-  </p:cSld>
-  <p:clrMapOvr>
-    <a:masterClrMapping/>
-  </p:clrMapOvr>
-</p:sld>
-</file>
-
-<file path=ppt/slides/slide29.xml><?xml version="1.0" encoding="utf-8"?>
-<p:sld xmlns:a="http://schemas.openxmlformats.org/drawingml/2006/main" xmlns:r="http://schemas.openxmlformats.org/officeDocument/2006/relationships" xmlns:p="http://schemas.openxmlformats.org/presentationml/2006/main">
-  <p:cSld>
-    <p:bg>
-      <p:bgPr>
-        <a:solidFill>
-          <a:schemeClr val="bg1"/>
-        </a:solidFill>
-        <a:effectLst/>
-      </p:bgPr>
-    </p:bg>
-    <p:spTree>
-      <p:nvGrpSpPr>
-        <p:cNvPr id="1" name=""/>
-        <p:cNvGrpSpPr/>
-        <p:nvPr/>
-      </p:nvGrpSpPr>
-      <p:grpSpPr>
-        <a:xfrm>
-          <a:off x="0" y="0"/>
-          <a:ext cx="0" cy="0"/>
-          <a:chOff x="0" y="0"/>
-          <a:chExt cx="0" cy="0"/>
-        </a:xfrm>
-      </p:grpSpPr>
-      <p:sp>
-        <p:nvSpPr>
-          <p:cNvPr id="11" name="Flowchart: Document 10">
-            <a:extLst>
-              <a:ext uri="{FF2B5EF4-FFF2-40B4-BE49-F238E27FC236}">
-                <a16:creationId xmlns:a16="http://schemas.microsoft.com/office/drawing/2014/main" id="{D12DDE76-C203-4047-9998-63900085B5E8}"/>
-              </a:ext>
-              <a:ext uri="{C183D7F6-B498-43B3-948B-1728B52AA6E4}">
-                <adec:decorative xmlns:adec="http://schemas.microsoft.com/office/drawing/2017/decorative" val="1"/>
-              </a:ext>
-            </a:extLst>
-          </p:cNvPr>
-          <p:cNvSpPr>
-            <a:spLocks noGrp="1" noRot="1" noChangeAspect="1" noMove="1" noResize="1" noEditPoints="1" noAdjustHandles="1" noChangeArrowheads="1" noChangeShapeType="1" noTextEdit="1"/>
-          </p:cNvSpPr>
-          <p:nvPr>
-            <p:extLst>
-              <p:ext uri="{386F3935-93C4-4BCD-93E2-E3B085C9AB24}">
-                <p16:designElem xmlns:p16="http://schemas.microsoft.com/office/powerpoint/2015/main" val="1"/>
-              </p:ext>
-            </p:extLst>
-          </p:nvPr>
-        </p:nvSpPr>
-        <p:spPr>
-          <a:xfrm>
-            <a:off x="638175" y="0"/>
-            <a:ext cx="3248025" cy="3400426"/>
-          </a:xfrm>
-          <a:prstGeom prst="flowChartDocument">
-            <a:avLst/>
-          </a:prstGeom>
-          <a:solidFill>
-            <a:srgbClr val="5A5044"/>
-          </a:solidFill>
-          <a:ln>
-            <a:noFill/>
-          </a:ln>
-        </p:spPr>
-        <p:style>
-          <a:lnRef idx="2">
-            <a:schemeClr val="accent1">
-              <a:shade val="50000"/>
-            </a:schemeClr>
-          </a:lnRef>
-          <a:fillRef idx="1">
-            <a:schemeClr val="accent1"/>
-          </a:fillRef>
-          <a:effectRef idx="0">
-            <a:schemeClr val="accent1"/>
-          </a:effectRef>
-          <a:fontRef idx="minor">
-            <a:schemeClr val="lt1"/>
-          </a:fontRef>
-        </p:style>
-        <p:txBody>
-          <a:bodyPr rtlCol="0" anchor="ctr"/>
-          <a:lstStyle/>
-          <a:p>
-            <a:pPr algn="ctr"/>
-            <a:endParaRPr lang="en-US"/>
-          </a:p>
-        </p:txBody>
-      </p:sp>
-      <p:pic>
-        <p:nvPicPr>
-          <p:cNvPr id="5" name="Content Placeholder 4" descr="A diagram of a tree">
-            <a:extLst>
-              <a:ext uri="{FF2B5EF4-FFF2-40B4-BE49-F238E27FC236}">
-                <a16:creationId xmlns:a16="http://schemas.microsoft.com/office/drawing/2014/main" id="{E70E4EFF-0D00-0040-D1E5-9CF8DB6C7081}"/>
-              </a:ext>
-            </a:extLst>
-          </p:cNvPr>
-          <p:cNvPicPr>
-            <a:picLocks noGrp="1" noChangeAspect="1"/>
-          </p:cNvPicPr>
-          <p:nvPr>
-            <p:ph idx="1"/>
-          </p:nvPr>
-        </p:nvPicPr>
-        <p:blipFill>
-          <a:blip r:embed="rId2">
-            <a:extLst>
-              <a:ext uri="{28A0092B-C50C-407E-A947-70E740481C1C}">
-                <a14:useLocalDpi xmlns:a14="http://schemas.microsoft.com/office/drawing/2010/main" val="0"/>
-              </a:ext>
-              <a:ext uri="{837473B0-CC2E-450A-ABE3-18F120FF3D39}">
-                <a1611:picAttrSrcUrl xmlns:a1611="http://schemas.microsoft.com/office/drawing/2016/11/main" r:id="rId3"/>
-              </a:ext>
-            </a:extLst>
-          </a:blip>
-          <a:stretch>
-            <a:fillRect/>
-          </a:stretch>
-        </p:blipFill>
-        <p:spPr>
-          <a:xfrm>
-            <a:off x="3886200" y="137170"/>
-            <a:ext cx="8184840" cy="6124482"/>
-          </a:xfrm>
-        </p:spPr>
-      </p:pic>
-      <p:sp>
-        <p:nvSpPr>
-          <p:cNvPr id="2" name="Title 1">
-            <a:extLst>
-              <a:ext uri="{FF2B5EF4-FFF2-40B4-BE49-F238E27FC236}">
-                <a16:creationId xmlns:a16="http://schemas.microsoft.com/office/drawing/2014/main" id="{2369E05D-03CA-E48E-E777-7BD5CDBC8012}"/>
-              </a:ext>
-            </a:extLst>
-          </p:cNvPr>
-          <p:cNvSpPr>
-            <a:spLocks noGrp="1"/>
-          </p:cNvSpPr>
-          <p:nvPr>
-            <p:ph type="title"/>
-          </p:nvPr>
-        </p:nvSpPr>
-        <p:spPr>
-          <a:xfrm>
-            <a:off x="838200" y="171162"/>
-            <a:ext cx="2840182" cy="2371148"/>
-          </a:xfrm>
-        </p:spPr>
-        <p:txBody>
-          <a:bodyPr vert="horz" lIns="91440" tIns="45720" rIns="91440" bIns="45720" rtlCol="0" anchor="ctr">
-            <a:normAutofit/>
-          </a:bodyPr>
-          <a:lstStyle/>
-          <a:p>
-            <a:r>
-              <a:rPr lang="en-US" sz="3200" kern="1200" dirty="0">
-                <a:solidFill>
-                  <a:srgbClr val="FFFFFF"/>
-                </a:solidFill>
-                <a:latin typeface="+mj-lt"/>
-                <a:ea typeface="+mj-ea"/>
-                <a:cs typeface="+mj-cs"/>
-              </a:rPr>
-              <a:t>Random Forest</a:t>
-            </a:r>
-          </a:p>
-        </p:txBody>
-      </p:sp>
-    </p:spTree>
-    <p:extLst>
-      <p:ext uri="{BB962C8B-B14F-4D97-AF65-F5344CB8AC3E}">
-        <p14:creationId xmlns:p14="http://schemas.microsoft.com/office/powerpoint/2010/main" val="2954422533"/>
       </p:ext>
     </p:extLst>
   </p:cSld>
@@ -13946,6 +13983,411 @@
 <file path=ppt/slides/slide30.xml><?xml version="1.0" encoding="utf-8"?>
 <p:sld xmlns:a="http://schemas.openxmlformats.org/drawingml/2006/main" xmlns:r="http://schemas.openxmlformats.org/officeDocument/2006/relationships" xmlns:p="http://schemas.openxmlformats.org/presentationml/2006/main">
   <p:cSld>
+    <p:spTree>
+      <p:nvGrpSpPr>
+        <p:cNvPr id="1" name=""/>
+        <p:cNvGrpSpPr/>
+        <p:nvPr/>
+      </p:nvGrpSpPr>
+      <p:grpSpPr>
+        <a:xfrm>
+          <a:off x="0" y="0"/>
+          <a:ext cx="0" cy="0"/>
+          <a:chOff x="0" y="0"/>
+          <a:chExt cx="0" cy="0"/>
+        </a:xfrm>
+      </p:grpSpPr>
+      <p:sp>
+        <p:nvSpPr>
+          <p:cNvPr id="2" name="Title 1">
+            <a:extLst>
+              <a:ext uri="{FF2B5EF4-FFF2-40B4-BE49-F238E27FC236}">
+                <a16:creationId xmlns:a16="http://schemas.microsoft.com/office/drawing/2014/main" id="{27B9AC28-390E-B1EE-FF0B-72602F1CAF94}"/>
+              </a:ext>
+            </a:extLst>
+          </p:cNvPr>
+          <p:cNvSpPr>
+            <a:spLocks noGrp="1"/>
+          </p:cNvSpPr>
+          <p:nvPr>
+            <p:ph type="title"/>
+          </p:nvPr>
+        </p:nvSpPr>
+        <p:spPr>
+          <a:xfrm>
+            <a:off x="838200" y="365126"/>
+            <a:ext cx="10515600" cy="937202"/>
+          </a:xfrm>
+        </p:spPr>
+        <p:txBody>
+          <a:bodyPr>
+            <a:normAutofit fontScale="90000"/>
+          </a:bodyPr>
+          <a:lstStyle/>
+          <a:p>
+            <a:r>
+              <a:rPr lang="en-US" dirty="0"/>
+              <a:t>Regression plot of the predicted variable against the actual</a:t>
+            </a:r>
+          </a:p>
+        </p:txBody>
+      </p:sp>
+      <p:pic>
+        <p:nvPicPr>
+          <p:cNvPr id="5" name="Content Placeholder 4">
+            <a:extLst>
+              <a:ext uri="{FF2B5EF4-FFF2-40B4-BE49-F238E27FC236}">
+                <a16:creationId xmlns:a16="http://schemas.microsoft.com/office/drawing/2014/main" id="{366122C6-F64E-ECCE-DCC3-E7560DC951A8}"/>
+              </a:ext>
+            </a:extLst>
+          </p:cNvPr>
+          <p:cNvPicPr>
+            <a:picLocks noGrp="1" noChangeAspect="1"/>
+          </p:cNvPicPr>
+          <p:nvPr>
+            <p:ph idx="1"/>
+          </p:nvPr>
+        </p:nvPicPr>
+        <p:blipFill>
+          <a:blip r:embed="rId2"/>
+          <a:stretch>
+            <a:fillRect/>
+          </a:stretch>
+        </p:blipFill>
+        <p:spPr>
+          <a:xfrm>
+            <a:off x="277090" y="1607127"/>
+            <a:ext cx="11651673" cy="4847641"/>
+          </a:xfrm>
+        </p:spPr>
+      </p:pic>
+    </p:spTree>
+    <p:extLst>
+      <p:ext uri="{BB962C8B-B14F-4D97-AF65-F5344CB8AC3E}">
+        <p14:creationId xmlns:p14="http://schemas.microsoft.com/office/powerpoint/2010/main" val="635613520"/>
+      </p:ext>
+    </p:extLst>
+  </p:cSld>
+  <p:clrMapOvr>
+    <a:masterClrMapping/>
+  </p:clrMapOvr>
+</p:sld>
+</file>
+
+<file path=ppt/slides/slide31.xml><?xml version="1.0" encoding="utf-8"?>
+<p:sld xmlns:a="http://schemas.openxmlformats.org/drawingml/2006/main" xmlns:r="http://schemas.openxmlformats.org/officeDocument/2006/relationships" xmlns:p="http://schemas.openxmlformats.org/presentationml/2006/main">
+  <p:cSld>
+    <p:bg>
+      <p:bgPr>
+        <a:solidFill>
+          <a:schemeClr val="bg1"/>
+        </a:solidFill>
+        <a:effectLst/>
+      </p:bgPr>
+    </p:bg>
+    <p:spTree>
+      <p:nvGrpSpPr>
+        <p:cNvPr id="1" name=""/>
+        <p:cNvGrpSpPr/>
+        <p:nvPr/>
+      </p:nvGrpSpPr>
+      <p:grpSpPr>
+        <a:xfrm>
+          <a:off x="0" y="0"/>
+          <a:ext cx="0" cy="0"/>
+          <a:chOff x="0" y="0"/>
+          <a:chExt cx="0" cy="0"/>
+        </a:xfrm>
+      </p:grpSpPr>
+      <p:sp>
+        <p:nvSpPr>
+          <p:cNvPr id="2" name="Title 1">
+            <a:extLst>
+              <a:ext uri="{FF2B5EF4-FFF2-40B4-BE49-F238E27FC236}">
+                <a16:creationId xmlns:a16="http://schemas.microsoft.com/office/drawing/2014/main" id="{0A08EB1C-7A81-436E-2CC5-E2C8258550C1}"/>
+              </a:ext>
+            </a:extLst>
+          </p:cNvPr>
+          <p:cNvSpPr>
+            <a:spLocks noGrp="1"/>
+          </p:cNvSpPr>
+          <p:nvPr>
+            <p:ph type="title"/>
+          </p:nvPr>
+        </p:nvSpPr>
+        <p:spPr>
+          <a:xfrm>
+            <a:off x="640080" y="2074363"/>
+            <a:ext cx="2752354" cy="2709275"/>
+          </a:xfrm>
+          <a:prstGeom prst="ellipse">
+            <a:avLst/>
+          </a:prstGeom>
+          <a:solidFill>
+            <a:schemeClr val="tx1">
+              <a:lumMod val="85000"/>
+              <a:lumOff val="15000"/>
+            </a:schemeClr>
+          </a:solidFill>
+          <a:ln w="174625" cmpd="thinThick">
+            <a:solidFill>
+              <a:schemeClr val="tx1">
+                <a:lumMod val="85000"/>
+                <a:lumOff val="15000"/>
+              </a:schemeClr>
+            </a:solidFill>
+          </a:ln>
+        </p:spPr>
+        <p:txBody>
+          <a:bodyPr vert="horz" lIns="91440" tIns="45720" rIns="91440" bIns="45720" rtlCol="0" anchor="ctr">
+            <a:normAutofit/>
+          </a:bodyPr>
+          <a:lstStyle/>
+          <a:p>
+            <a:pPr algn="ctr"/>
+            <a:r>
+              <a:rPr lang="en-US" sz="2600" kern="1200" dirty="0">
+                <a:solidFill>
+                  <a:schemeClr val="bg1"/>
+                </a:solidFill>
+                <a:latin typeface="+mj-lt"/>
+                <a:ea typeface="+mj-ea"/>
+                <a:cs typeface="+mj-cs"/>
+              </a:rPr>
+              <a:t>Residual plot</a:t>
+            </a:r>
+          </a:p>
+        </p:txBody>
+      </p:sp>
+      <p:pic>
+        <p:nvPicPr>
+          <p:cNvPr id="5" name="Content Placeholder 4">
+            <a:extLst>
+              <a:ext uri="{FF2B5EF4-FFF2-40B4-BE49-F238E27FC236}">
+                <a16:creationId xmlns:a16="http://schemas.microsoft.com/office/drawing/2014/main" id="{F8D7CA9C-6A5B-BB95-AD48-B017246DA318}"/>
+              </a:ext>
+            </a:extLst>
+          </p:cNvPr>
+          <p:cNvPicPr>
+            <a:picLocks noGrp="1" noChangeAspect="1"/>
+          </p:cNvPicPr>
+          <p:nvPr>
+            <p:ph idx="1"/>
+          </p:nvPr>
+        </p:nvPicPr>
+        <p:blipFill>
+          <a:blip r:embed="rId2"/>
+          <a:stretch>
+            <a:fillRect/>
+          </a:stretch>
+        </p:blipFill>
+        <p:spPr>
+          <a:xfrm>
+            <a:off x="4081670" y="697257"/>
+            <a:ext cx="7341703" cy="5947659"/>
+          </a:xfrm>
+          <a:prstGeom prst="rect">
+            <a:avLst/>
+          </a:prstGeom>
+        </p:spPr>
+      </p:pic>
+    </p:spTree>
+    <p:extLst>
+      <p:ext uri="{BB962C8B-B14F-4D97-AF65-F5344CB8AC3E}">
+        <p14:creationId xmlns:p14="http://schemas.microsoft.com/office/powerpoint/2010/main" val="1516860547"/>
+      </p:ext>
+    </p:extLst>
+  </p:cSld>
+  <p:clrMapOvr>
+    <a:masterClrMapping/>
+  </p:clrMapOvr>
+</p:sld>
+</file>
+
+<file path=ppt/slides/slide32.xml><?xml version="1.0" encoding="utf-8"?>
+<p:sld xmlns:a="http://schemas.openxmlformats.org/drawingml/2006/main" xmlns:r="http://schemas.openxmlformats.org/officeDocument/2006/relationships" xmlns:p="http://schemas.openxmlformats.org/presentationml/2006/main">
+  <p:cSld>
+    <p:bg>
+      <p:bgPr>
+        <a:solidFill>
+          <a:schemeClr val="bg1"/>
+        </a:solidFill>
+        <a:effectLst/>
+      </p:bgPr>
+    </p:bg>
+    <p:spTree>
+      <p:nvGrpSpPr>
+        <p:cNvPr id="1" name=""/>
+        <p:cNvGrpSpPr/>
+        <p:nvPr/>
+      </p:nvGrpSpPr>
+      <p:grpSpPr>
+        <a:xfrm>
+          <a:off x="0" y="0"/>
+          <a:ext cx="0" cy="0"/>
+          <a:chOff x="0" y="0"/>
+          <a:chExt cx="0" cy="0"/>
+        </a:xfrm>
+      </p:grpSpPr>
+      <p:sp>
+        <p:nvSpPr>
+          <p:cNvPr id="11" name="Flowchart: Document 10">
+            <a:extLst>
+              <a:ext uri="{FF2B5EF4-FFF2-40B4-BE49-F238E27FC236}">
+                <a16:creationId xmlns:a16="http://schemas.microsoft.com/office/drawing/2014/main" id="{D12DDE76-C203-4047-9998-63900085B5E8}"/>
+              </a:ext>
+              <a:ext uri="{C183D7F6-B498-43B3-948B-1728B52AA6E4}">
+                <adec:decorative xmlns:adec="http://schemas.microsoft.com/office/drawing/2017/decorative" val="1"/>
+              </a:ext>
+            </a:extLst>
+          </p:cNvPr>
+          <p:cNvSpPr>
+            <a:spLocks noGrp="1" noRot="1" noChangeAspect="1" noMove="1" noResize="1" noEditPoints="1" noAdjustHandles="1" noChangeArrowheads="1" noChangeShapeType="1" noTextEdit="1"/>
+          </p:cNvSpPr>
+          <p:nvPr>
+            <p:extLst>
+              <p:ext uri="{386F3935-93C4-4BCD-93E2-E3B085C9AB24}">
+                <p16:designElem xmlns:p16="http://schemas.microsoft.com/office/powerpoint/2015/main" val="1"/>
+              </p:ext>
+            </p:extLst>
+          </p:nvPr>
+        </p:nvSpPr>
+        <p:spPr>
+          <a:xfrm>
+            <a:off x="638175" y="0"/>
+            <a:ext cx="3248025" cy="3400426"/>
+          </a:xfrm>
+          <a:prstGeom prst="flowChartDocument">
+            <a:avLst/>
+          </a:prstGeom>
+          <a:solidFill>
+            <a:srgbClr val="5A5044"/>
+          </a:solidFill>
+          <a:ln>
+            <a:noFill/>
+          </a:ln>
+        </p:spPr>
+        <p:style>
+          <a:lnRef idx="2">
+            <a:schemeClr val="accent1">
+              <a:shade val="50000"/>
+            </a:schemeClr>
+          </a:lnRef>
+          <a:fillRef idx="1">
+            <a:schemeClr val="accent1"/>
+          </a:fillRef>
+          <a:effectRef idx="0">
+            <a:schemeClr val="accent1"/>
+          </a:effectRef>
+          <a:fontRef idx="minor">
+            <a:schemeClr val="lt1"/>
+          </a:fontRef>
+        </p:style>
+        <p:txBody>
+          <a:bodyPr rtlCol="0" anchor="ctr"/>
+          <a:lstStyle/>
+          <a:p>
+            <a:pPr algn="ctr"/>
+            <a:endParaRPr lang="en-US"/>
+          </a:p>
+        </p:txBody>
+      </p:sp>
+      <p:pic>
+        <p:nvPicPr>
+          <p:cNvPr id="5" name="Content Placeholder 4" descr="A diagram of a tree">
+            <a:extLst>
+              <a:ext uri="{FF2B5EF4-FFF2-40B4-BE49-F238E27FC236}">
+                <a16:creationId xmlns:a16="http://schemas.microsoft.com/office/drawing/2014/main" id="{E70E4EFF-0D00-0040-D1E5-9CF8DB6C7081}"/>
+              </a:ext>
+            </a:extLst>
+          </p:cNvPr>
+          <p:cNvPicPr>
+            <a:picLocks noGrp="1" noChangeAspect="1"/>
+          </p:cNvPicPr>
+          <p:nvPr>
+            <p:ph idx="1"/>
+          </p:nvPr>
+        </p:nvPicPr>
+        <p:blipFill>
+          <a:blip r:embed="rId2">
+            <a:extLst>
+              <a:ext uri="{28A0092B-C50C-407E-A947-70E740481C1C}">
+                <a14:useLocalDpi xmlns:a14="http://schemas.microsoft.com/office/drawing/2010/main" val="0"/>
+              </a:ext>
+              <a:ext uri="{837473B0-CC2E-450A-ABE3-18F120FF3D39}">
+                <a1611:picAttrSrcUrl xmlns:a1611="http://schemas.microsoft.com/office/drawing/2016/11/main" r:id="rId3"/>
+              </a:ext>
+            </a:extLst>
+          </a:blip>
+          <a:stretch>
+            <a:fillRect/>
+          </a:stretch>
+        </p:blipFill>
+        <p:spPr>
+          <a:xfrm>
+            <a:off x="3886200" y="137170"/>
+            <a:ext cx="8184840" cy="6124482"/>
+          </a:xfrm>
+        </p:spPr>
+      </p:pic>
+      <p:sp>
+        <p:nvSpPr>
+          <p:cNvPr id="2" name="Title 1">
+            <a:extLst>
+              <a:ext uri="{FF2B5EF4-FFF2-40B4-BE49-F238E27FC236}">
+                <a16:creationId xmlns:a16="http://schemas.microsoft.com/office/drawing/2014/main" id="{2369E05D-03CA-E48E-E777-7BD5CDBC8012}"/>
+              </a:ext>
+            </a:extLst>
+          </p:cNvPr>
+          <p:cNvSpPr>
+            <a:spLocks noGrp="1"/>
+          </p:cNvSpPr>
+          <p:nvPr>
+            <p:ph type="title"/>
+          </p:nvPr>
+        </p:nvSpPr>
+        <p:spPr>
+          <a:xfrm>
+            <a:off x="838200" y="171162"/>
+            <a:ext cx="2840182" cy="2371148"/>
+          </a:xfrm>
+        </p:spPr>
+        <p:txBody>
+          <a:bodyPr vert="horz" lIns="91440" tIns="45720" rIns="91440" bIns="45720" rtlCol="0" anchor="ctr">
+            <a:normAutofit/>
+          </a:bodyPr>
+          <a:lstStyle/>
+          <a:p>
+            <a:r>
+              <a:rPr lang="en-US" sz="3200" kern="1200" dirty="0">
+                <a:solidFill>
+                  <a:srgbClr val="FFFFFF"/>
+                </a:solidFill>
+                <a:latin typeface="+mj-lt"/>
+                <a:ea typeface="+mj-ea"/>
+                <a:cs typeface="+mj-cs"/>
+              </a:rPr>
+              <a:t>Random Forest</a:t>
+            </a:r>
+          </a:p>
+        </p:txBody>
+      </p:sp>
+    </p:spTree>
+    <p:extLst>
+      <p:ext uri="{BB962C8B-B14F-4D97-AF65-F5344CB8AC3E}">
+        <p14:creationId xmlns:p14="http://schemas.microsoft.com/office/powerpoint/2010/main" val="2954422533"/>
+      </p:ext>
+    </p:extLst>
+  </p:cSld>
+  <p:clrMapOvr>
+    <a:masterClrMapping/>
+  </p:clrMapOvr>
+</p:sld>
+</file>
+
+<file path=ppt/slides/slide33.xml><?xml version="1.0" encoding="utf-8"?>
+<p:sld xmlns:a="http://schemas.openxmlformats.org/drawingml/2006/main" xmlns:r="http://schemas.openxmlformats.org/officeDocument/2006/relationships" xmlns:p="http://schemas.openxmlformats.org/presentationml/2006/main">
+  <p:cSld>
     <p:bg>
       <p:bgPr>
         <a:solidFill>
@@ -14358,7 +14800,7 @@
 </p:sld>
 </file>
 
-<file path=ppt/slides/slide31.xml><?xml version="1.0" encoding="utf-8"?>
+<file path=ppt/slides/slide34.xml><?xml version="1.0" encoding="utf-8"?>
 <p:sld xmlns:a="http://schemas.openxmlformats.org/drawingml/2006/main" xmlns:r="http://schemas.openxmlformats.org/officeDocument/2006/relationships" xmlns:p="http://schemas.openxmlformats.org/presentationml/2006/main">
   <p:cSld>
     <p:bg>
@@ -14664,7 +15106,7 @@
 </p:sld>
 </file>
 
-<file path=ppt/slides/slide32.xml><?xml version="1.0" encoding="utf-8"?>
+<file path=ppt/slides/slide35.xml><?xml version="1.0" encoding="utf-8"?>
 <p:sld xmlns:a="http://schemas.openxmlformats.org/drawingml/2006/main" xmlns:r="http://schemas.openxmlformats.org/officeDocument/2006/relationships" xmlns:p="http://schemas.openxmlformats.org/presentationml/2006/main">
   <p:cSld>
     <p:bg>
@@ -14752,45 +15194,6 @@
           </a:p>
         </p:txBody>
       </p:sp>
-      <p:sp>
-        <p:nvSpPr>
-          <p:cNvPr id="2" name="Title 1">
-            <a:extLst>
-              <a:ext uri="{FF2B5EF4-FFF2-40B4-BE49-F238E27FC236}">
-                <a16:creationId xmlns:a16="http://schemas.microsoft.com/office/drawing/2014/main" id="{9067E4E8-9ACB-AF79-62D6-5522A4AED361}"/>
-              </a:ext>
-            </a:extLst>
-          </p:cNvPr>
-          <p:cNvSpPr>
-            <a:spLocks noGrp="1"/>
-          </p:cNvSpPr>
-          <p:nvPr>
-            <p:ph type="title"/>
-          </p:nvPr>
-        </p:nvSpPr>
-        <p:spPr>
-          <a:xfrm>
-            <a:off x="838200" y="171162"/>
-            <a:ext cx="2840182" cy="2371148"/>
-          </a:xfrm>
-        </p:spPr>
-        <p:txBody>
-          <a:bodyPr vert="horz" lIns="91440" tIns="45720" rIns="91440" bIns="45720" rtlCol="0" anchor="ctr">
-            <a:normAutofit/>
-          </a:bodyPr>
-          <a:lstStyle/>
-          <a:p>
-            <a:endParaRPr lang="en-US" sz="3200" kern="1200" dirty="0">
-              <a:solidFill>
-                <a:srgbClr val="FFFFFF"/>
-              </a:solidFill>
-              <a:latin typeface="+mj-lt"/>
-              <a:ea typeface="+mj-ea"/>
-              <a:cs typeface="+mj-cs"/>
-            </a:endParaRPr>
-          </a:p>
-        </p:txBody>
-      </p:sp>
       <p:pic>
         <p:nvPicPr>
           <p:cNvPr id="5" name="Content Placeholder 4">
@@ -14863,7 +15266,7 @@
 </p:sld>
 </file>
 
-<file path=ppt/slides/slide33.xml><?xml version="1.0" encoding="utf-8"?>
+<file path=ppt/slides/slide36.xml><?xml version="1.0" encoding="utf-8"?>
 <p:sld xmlns:a="http://schemas.openxmlformats.org/drawingml/2006/main" xmlns:r="http://schemas.openxmlformats.org/officeDocument/2006/relationships" xmlns:p="http://schemas.openxmlformats.org/presentationml/2006/main">
   <p:cSld>
     <p:spTree>
@@ -14906,7 +15309,10 @@
           <a:bodyPr/>
           <a:lstStyle/>
           <a:p>
-            <a:endParaRPr lang="en-US" dirty="0"/>
+            <a:r>
+              <a:rPr lang="en-US" dirty="0"/>
+              <a:t>Confusion Matrix</a:t>
+            </a:r>
           </a:p>
         </p:txBody>
       </p:sp>
@@ -14934,8 +15340,8 @@
         </p:blipFill>
         <p:spPr>
           <a:xfrm>
-            <a:off x="838200" y="1690688"/>
-            <a:ext cx="10515600" cy="4952426"/>
+            <a:off x="838200" y="1152939"/>
+            <a:ext cx="10515600" cy="5490175"/>
           </a:xfrm>
         </p:spPr>
       </p:pic>
@@ -14943,6 +15349,349 @@
     <p:extLst>
       <p:ext uri="{BB962C8B-B14F-4D97-AF65-F5344CB8AC3E}">
         <p14:creationId xmlns:p14="http://schemas.microsoft.com/office/powerpoint/2010/main" val="64940076"/>
+      </p:ext>
+    </p:extLst>
+  </p:cSld>
+  <p:clrMapOvr>
+    <a:masterClrMapping/>
+  </p:clrMapOvr>
+</p:sld>
+</file>
+
+<file path=ppt/slides/slide37.xml><?xml version="1.0" encoding="utf-8"?>
+<p:sld xmlns:a="http://schemas.openxmlformats.org/drawingml/2006/main" xmlns:r="http://schemas.openxmlformats.org/officeDocument/2006/relationships" xmlns:p="http://schemas.openxmlformats.org/presentationml/2006/main">
+  <p:cSld>
+    <p:spTree>
+      <p:nvGrpSpPr>
+        <p:cNvPr id="1" name=""/>
+        <p:cNvGrpSpPr/>
+        <p:nvPr/>
+      </p:nvGrpSpPr>
+      <p:grpSpPr>
+        <a:xfrm>
+          <a:off x="0" y="0"/>
+          <a:ext cx="0" cy="0"/>
+          <a:chOff x="0" y="0"/>
+          <a:chExt cx="0" cy="0"/>
+        </a:xfrm>
+      </p:grpSpPr>
+      <p:sp>
+        <p:nvSpPr>
+          <p:cNvPr id="2" name="Title 1">
+            <a:extLst>
+              <a:ext uri="{FF2B5EF4-FFF2-40B4-BE49-F238E27FC236}">
+                <a16:creationId xmlns:a16="http://schemas.microsoft.com/office/drawing/2014/main" id="{B2DC09CF-CC4B-FD8A-F126-08B62D1B84A9}"/>
+              </a:ext>
+            </a:extLst>
+          </p:cNvPr>
+          <p:cNvSpPr>
+            <a:spLocks noGrp="1"/>
+          </p:cNvSpPr>
+          <p:nvPr>
+            <p:ph type="title"/>
+          </p:nvPr>
+        </p:nvSpPr>
+        <p:spPr>
+          <a:xfrm>
+            <a:off x="838200" y="6002044"/>
+            <a:ext cx="10515600" cy="668545"/>
+          </a:xfrm>
+        </p:spPr>
+        <p:txBody>
+          <a:bodyPr>
+            <a:normAutofit fontScale="90000"/>
+          </a:bodyPr>
+          <a:lstStyle/>
+          <a:p>
+            <a:r>
+              <a:rPr lang="en-US" dirty="0"/>
+              <a:t>Decision tree obtained from the dataset</a:t>
+            </a:r>
+          </a:p>
+        </p:txBody>
+      </p:sp>
+      <p:pic>
+        <p:nvPicPr>
+          <p:cNvPr id="5" name="Picture 4" descr="A diagram of a person's structure&#10;&#10;Description automatically generated with medium confidence">
+            <a:extLst>
+              <a:ext uri="{FF2B5EF4-FFF2-40B4-BE49-F238E27FC236}">
+                <a16:creationId xmlns:a16="http://schemas.microsoft.com/office/drawing/2014/main" id="{C8BEC5AD-B315-1774-8A45-9676444AFED2}"/>
+              </a:ext>
+            </a:extLst>
+          </p:cNvPr>
+          <p:cNvPicPr>
+            <a:picLocks noChangeAspect="1"/>
+          </p:cNvPicPr>
+          <p:nvPr/>
+        </p:nvPicPr>
+        <p:blipFill>
+          <a:blip r:embed="rId2">
+            <a:extLst>
+              <a:ext uri="{28A0092B-C50C-407E-A947-70E740481C1C}">
+                <a14:useLocalDpi xmlns:a14="http://schemas.microsoft.com/office/drawing/2010/main" val="0"/>
+              </a:ext>
+            </a:extLst>
+          </a:blip>
+          <a:stretch>
+            <a:fillRect/>
+          </a:stretch>
+        </p:blipFill>
+        <p:spPr>
+          <a:xfrm>
+            <a:off x="163773" y="6117"/>
+            <a:ext cx="11682484" cy="5968749"/>
+          </a:xfrm>
+          <a:prstGeom prst="rect">
+            <a:avLst/>
+          </a:prstGeom>
+        </p:spPr>
+      </p:pic>
+    </p:spTree>
+    <p:extLst>
+      <p:ext uri="{BB962C8B-B14F-4D97-AF65-F5344CB8AC3E}">
+        <p14:creationId xmlns:p14="http://schemas.microsoft.com/office/powerpoint/2010/main" val="3804675115"/>
+      </p:ext>
+    </p:extLst>
+  </p:cSld>
+  <p:clrMapOvr>
+    <a:masterClrMapping/>
+  </p:clrMapOvr>
+</p:sld>
+</file>
+
+<file path=ppt/slides/slide38.xml><?xml version="1.0" encoding="utf-8"?>
+<p:sld xmlns:a="http://schemas.openxmlformats.org/drawingml/2006/main" xmlns:r="http://schemas.openxmlformats.org/officeDocument/2006/relationships" xmlns:p="http://schemas.openxmlformats.org/presentationml/2006/main">
+  <p:cSld>
+    <p:spTree>
+      <p:nvGrpSpPr>
+        <p:cNvPr id="1" name=""/>
+        <p:cNvGrpSpPr/>
+        <p:nvPr/>
+      </p:nvGrpSpPr>
+      <p:grpSpPr>
+        <a:xfrm>
+          <a:off x="0" y="0"/>
+          <a:ext cx="0" cy="0"/>
+          <a:chOff x="0" y="0"/>
+          <a:chExt cx="0" cy="0"/>
+        </a:xfrm>
+      </p:grpSpPr>
+      <p:sp>
+        <p:nvSpPr>
+          <p:cNvPr id="2" name="Title 1">
+            <a:extLst>
+              <a:ext uri="{FF2B5EF4-FFF2-40B4-BE49-F238E27FC236}">
+                <a16:creationId xmlns:a16="http://schemas.microsoft.com/office/drawing/2014/main" id="{A3CA553A-6BF4-CB2D-1D74-6A973CB2056E}"/>
+              </a:ext>
+            </a:extLst>
+          </p:cNvPr>
+          <p:cNvSpPr>
+            <a:spLocks noGrp="1"/>
+          </p:cNvSpPr>
+          <p:nvPr>
+            <p:ph type="title"/>
+          </p:nvPr>
+        </p:nvSpPr>
+        <p:spPr/>
+        <p:txBody>
+          <a:bodyPr/>
+          <a:lstStyle/>
+          <a:p>
+            <a:r>
+              <a:rPr lang="en-US" b="1" dirty="0"/>
+              <a:t>Conclusion</a:t>
+            </a:r>
+          </a:p>
+        </p:txBody>
+      </p:sp>
+      <p:sp>
+        <p:nvSpPr>
+          <p:cNvPr id="3" name="Content Placeholder 2">
+            <a:extLst>
+              <a:ext uri="{FF2B5EF4-FFF2-40B4-BE49-F238E27FC236}">
+                <a16:creationId xmlns:a16="http://schemas.microsoft.com/office/drawing/2014/main" id="{DE34D3F0-29FC-000F-265B-1DF38C4103B5}"/>
+              </a:ext>
+            </a:extLst>
+          </p:cNvPr>
+          <p:cNvSpPr>
+            <a:spLocks noGrp="1"/>
+          </p:cNvSpPr>
+          <p:nvPr>
+            <p:ph idx="1"/>
+          </p:nvPr>
+        </p:nvSpPr>
+        <p:spPr>
+          <a:xfrm>
+            <a:off x="838200" y="1484243"/>
+            <a:ext cx="10515600" cy="4692720"/>
+          </a:xfrm>
+        </p:spPr>
+        <p:txBody>
+          <a:bodyPr/>
+          <a:lstStyle/>
+          <a:p>
+            <a:r>
+              <a:rPr lang="en-US" dirty="0"/>
+              <a:t> Most of the customers earn below the average income</a:t>
+            </a:r>
+          </a:p>
+          <a:p>
+            <a:r>
+              <a:rPr lang="en-US" dirty="0"/>
+              <a:t> The regressors of the regressed in the OLS estimation explained about 75% of the model.</a:t>
+            </a:r>
+          </a:p>
+          <a:p>
+            <a:r>
+              <a:rPr lang="en-US" dirty="0"/>
+              <a:t>Most of the regressors are statistically significant.</a:t>
+            </a:r>
+          </a:p>
+          <a:p>
+            <a:r>
+              <a:rPr lang="en-US" dirty="0"/>
+              <a:t> the selected model (random forest) has the highest accuracy of about 98%</a:t>
+            </a:r>
+          </a:p>
+          <a:p>
+            <a:r>
+              <a:rPr lang="en-US" dirty="0"/>
+              <a:t>The </a:t>
+            </a:r>
+            <a:r>
+              <a:rPr lang="en-US" dirty="0" err="1"/>
+              <a:t>campign</a:t>
+            </a:r>
+            <a:r>
+              <a:rPr lang="en-US" dirty="0"/>
+              <a:t> initiated by Thera Bank did not yield a high desirable result since little or no attention had been given to the key drive of the personal loan. Thus, CD Account, CC Avg and the income of the customers.</a:t>
+            </a:r>
+          </a:p>
+          <a:p>
+            <a:endParaRPr lang="en-US" dirty="0"/>
+          </a:p>
+        </p:txBody>
+      </p:sp>
+    </p:spTree>
+    <p:extLst>
+      <p:ext uri="{BB962C8B-B14F-4D97-AF65-F5344CB8AC3E}">
+        <p14:creationId xmlns:p14="http://schemas.microsoft.com/office/powerpoint/2010/main" val="3361459086"/>
+      </p:ext>
+    </p:extLst>
+  </p:cSld>
+  <p:clrMapOvr>
+    <a:masterClrMapping/>
+  </p:clrMapOvr>
+</p:sld>
+</file>
+
+<file path=ppt/slides/slide39.xml><?xml version="1.0" encoding="utf-8"?>
+<p:sld xmlns:a="http://schemas.openxmlformats.org/drawingml/2006/main" xmlns:r="http://schemas.openxmlformats.org/officeDocument/2006/relationships" xmlns:p="http://schemas.openxmlformats.org/presentationml/2006/main">
+  <p:cSld>
+    <p:spTree>
+      <p:nvGrpSpPr>
+        <p:cNvPr id="1" name=""/>
+        <p:cNvGrpSpPr/>
+        <p:nvPr/>
+      </p:nvGrpSpPr>
+      <p:grpSpPr>
+        <a:xfrm>
+          <a:off x="0" y="0"/>
+          <a:ext cx="0" cy="0"/>
+          <a:chOff x="0" y="0"/>
+          <a:chExt cx="0" cy="0"/>
+        </a:xfrm>
+      </p:grpSpPr>
+      <p:sp>
+        <p:nvSpPr>
+          <p:cNvPr id="2" name="Title 1">
+            <a:extLst>
+              <a:ext uri="{FF2B5EF4-FFF2-40B4-BE49-F238E27FC236}">
+                <a16:creationId xmlns:a16="http://schemas.microsoft.com/office/drawing/2014/main" id="{83327F68-D312-0343-6CDD-AC7FB34E54DE}"/>
+              </a:ext>
+            </a:extLst>
+          </p:cNvPr>
+          <p:cNvSpPr>
+            <a:spLocks noGrp="1"/>
+          </p:cNvSpPr>
+          <p:nvPr>
+            <p:ph type="title"/>
+          </p:nvPr>
+        </p:nvSpPr>
+        <p:spPr>
+          <a:xfrm>
+            <a:off x="838200" y="365125"/>
+            <a:ext cx="10515600" cy="973345"/>
+          </a:xfrm>
+        </p:spPr>
+        <p:txBody>
+          <a:bodyPr/>
+          <a:lstStyle/>
+          <a:p>
+            <a:r>
+              <a:rPr lang="en-US" dirty="0"/>
+              <a:t>Recommendation</a:t>
+            </a:r>
+          </a:p>
+        </p:txBody>
+      </p:sp>
+      <p:sp>
+        <p:nvSpPr>
+          <p:cNvPr id="3" name="Content Placeholder 2">
+            <a:extLst>
+              <a:ext uri="{FF2B5EF4-FFF2-40B4-BE49-F238E27FC236}">
+                <a16:creationId xmlns:a16="http://schemas.microsoft.com/office/drawing/2014/main" id="{E511AF0A-DAC4-D0B2-896A-22D2D21F5FA3}"/>
+              </a:ext>
+            </a:extLst>
+          </p:cNvPr>
+          <p:cNvSpPr>
+            <a:spLocks noGrp="1"/>
+          </p:cNvSpPr>
+          <p:nvPr>
+            <p:ph idx="1"/>
+          </p:nvPr>
+        </p:nvSpPr>
+        <p:spPr>
+          <a:xfrm>
+            <a:off x="838200" y="1338470"/>
+            <a:ext cx="10515600" cy="4838493"/>
+          </a:xfrm>
+        </p:spPr>
+        <p:txBody>
+          <a:bodyPr>
+            <a:normAutofit/>
+          </a:bodyPr>
+          <a:lstStyle/>
+          <a:p>
+            <a:r>
+              <a:rPr lang="en-US" sz="3600" dirty="0"/>
+              <a:t> The undergraduates constituted great percent of the customer hence  the next campaign should factor their interest. ( student loan can be an initiative.</a:t>
+            </a:r>
+          </a:p>
+          <a:p>
+            <a:r>
+              <a:rPr lang="en-US" sz="3600" dirty="0"/>
+              <a:t> Most of the customers earn below the average of $74 therefore  decrease interest rate but to a profitable level would induce customers purchase of the loan.</a:t>
+            </a:r>
+          </a:p>
+          <a:p>
+            <a:r>
+              <a:rPr lang="en-US" sz="3600" dirty="0"/>
+              <a:t> Securing Credit Card Account is seen to play a key role in purchase of Personal loan so, if this is provided at a discounted rate, purchase of the loan would increase</a:t>
+            </a:r>
+          </a:p>
+          <a:p>
+            <a:pPr marL="0" indent="0">
+              <a:buNone/>
+            </a:pPr>
+            <a:endParaRPr lang="en-US" sz="3600" dirty="0"/>
+          </a:p>
+        </p:txBody>
+      </p:sp>
+    </p:spTree>
+    <p:extLst>
+      <p:ext uri="{BB962C8B-B14F-4D97-AF65-F5344CB8AC3E}">
+        <p14:creationId xmlns:p14="http://schemas.microsoft.com/office/powerpoint/2010/main" val="3188236055"/>
       </p:ext>
     </p:extLst>
   </p:cSld>
@@ -15636,6 +16385,131 @@
           <p:cNvPr id="2" name="Title 1">
             <a:extLst>
               <a:ext uri="{FF2B5EF4-FFF2-40B4-BE49-F238E27FC236}">
+                <a16:creationId xmlns:a16="http://schemas.microsoft.com/office/drawing/2014/main" id="{C5AAC887-1D5D-D478-DE28-253BCBE0A744}"/>
+              </a:ext>
+            </a:extLst>
+          </p:cNvPr>
+          <p:cNvSpPr>
+            <a:spLocks noGrp="1"/>
+          </p:cNvSpPr>
+          <p:nvPr>
+            <p:ph type="title"/>
+          </p:nvPr>
+        </p:nvSpPr>
+        <p:spPr>
+          <a:xfrm>
+            <a:off x="839788" y="365125"/>
+            <a:ext cx="10515600" cy="823913"/>
+          </a:xfrm>
+        </p:spPr>
+        <p:txBody>
+          <a:bodyPr/>
+          <a:lstStyle/>
+          <a:p>
+            <a:r>
+              <a:rPr lang="en-US" dirty="0"/>
+              <a:t>Questions</a:t>
+            </a:r>
+          </a:p>
+        </p:txBody>
+      </p:sp>
+      <p:sp>
+        <p:nvSpPr>
+          <p:cNvPr id="4" name="Content Placeholder 3">
+            <a:extLst>
+              <a:ext uri="{FF2B5EF4-FFF2-40B4-BE49-F238E27FC236}">
+                <a16:creationId xmlns:a16="http://schemas.microsoft.com/office/drawing/2014/main" id="{10CE41F2-889A-76C7-018D-F17F1D20474F}"/>
+              </a:ext>
+            </a:extLst>
+          </p:cNvPr>
+          <p:cNvSpPr>
+            <a:spLocks noGrp="1"/>
+          </p:cNvSpPr>
+          <p:nvPr>
+            <p:ph sz="half" idx="2"/>
+          </p:nvPr>
+        </p:nvSpPr>
+        <p:spPr>
+          <a:xfrm>
+            <a:off x="159027" y="993913"/>
+            <a:ext cx="11940208" cy="5645426"/>
+          </a:xfrm>
+        </p:spPr>
+        <p:txBody>
+          <a:bodyPr>
+            <a:normAutofit/>
+          </a:bodyPr>
+          <a:lstStyle/>
+          <a:p>
+            <a:r>
+              <a:rPr lang="en-US" sz="4400" dirty="0"/>
+              <a:t> What insight can be derived from the data?</a:t>
+            </a:r>
+          </a:p>
+          <a:p>
+            <a:r>
+              <a:rPr lang="en-US" sz="4400" dirty="0"/>
+              <a:t>Which  education constitute greater portion of the customers?</a:t>
+            </a:r>
+          </a:p>
+          <a:p>
+            <a:r>
+              <a:rPr lang="en-US" sz="4400" dirty="0"/>
+              <a:t>How is the customers income distributed? ( thus, what portion of customers are above the average income).</a:t>
+            </a:r>
+          </a:p>
+          <a:p>
+            <a:r>
+              <a:rPr lang="en-US" sz="4400" dirty="0"/>
+              <a:t>What is the age distribution of the customers?</a:t>
+            </a:r>
+          </a:p>
+          <a:p>
+            <a:r>
+              <a:rPr lang="en-US" sz="4400" dirty="0"/>
+              <a:t>How are the variables correlating?</a:t>
+            </a:r>
+          </a:p>
+          <a:p>
+            <a:endParaRPr lang="en-US" sz="4400" dirty="0"/>
+          </a:p>
+        </p:txBody>
+      </p:sp>
+    </p:spTree>
+    <p:extLst>
+      <p:ext uri="{BB962C8B-B14F-4D97-AF65-F5344CB8AC3E}">
+        <p14:creationId xmlns:p14="http://schemas.microsoft.com/office/powerpoint/2010/main" val="2484957800"/>
+      </p:ext>
+    </p:extLst>
+  </p:cSld>
+  <p:clrMapOvr>
+    <a:masterClrMapping/>
+  </p:clrMapOvr>
+</p:sld>
+</file>
+
+<file path=ppt/slides/slide7.xml><?xml version="1.0" encoding="utf-8"?>
+<p:sld xmlns:a="http://schemas.openxmlformats.org/drawingml/2006/main" xmlns:r="http://schemas.openxmlformats.org/officeDocument/2006/relationships" xmlns:p="http://schemas.openxmlformats.org/presentationml/2006/main">
+  <p:cSld>
+    <p:spTree>
+      <p:nvGrpSpPr>
+        <p:cNvPr id="1" name=""/>
+        <p:cNvGrpSpPr/>
+        <p:nvPr/>
+      </p:nvGrpSpPr>
+      <p:grpSpPr>
+        <a:xfrm>
+          <a:off x="0" y="0"/>
+          <a:ext cx="0" cy="0"/>
+          <a:chOff x="0" y="0"/>
+          <a:chExt cx="0" cy="0"/>
+        </a:xfrm>
+      </p:grpSpPr>
+      <p:sp>
+        <p:nvSpPr>
+          <p:cNvPr id="2" name="Title 1">
+            <a:extLst>
+              <a:ext uri="{FF2B5EF4-FFF2-40B4-BE49-F238E27FC236}">
                 <a16:creationId xmlns:a16="http://schemas.microsoft.com/office/drawing/2014/main" id="{3D8A6EBD-25C1-6D8F-AAF7-6DD531928C6C}"/>
               </a:ext>
             </a:extLst>
@@ -15741,7 +16615,7 @@
 </p:sld>
 </file>
 
-<file path=ppt/slides/slide7.xml><?xml version="1.0" encoding="utf-8"?>
+<file path=ppt/slides/slide8.xml><?xml version="1.0" encoding="utf-8"?>
 <p:sld xmlns:a="http://schemas.openxmlformats.org/drawingml/2006/main" xmlns:r="http://schemas.openxmlformats.org/officeDocument/2006/relationships" xmlns:p="http://schemas.openxmlformats.org/presentationml/2006/main">
   <p:cSld>
     <p:bg>
@@ -15921,7 +16795,7 @@
 </p:sld>
 </file>
 
-<file path=ppt/slides/slide8.xml><?xml version="1.0" encoding="utf-8"?>
+<file path=ppt/slides/slide9.xml><?xml version="1.0" encoding="utf-8"?>
 <p:sld xmlns:a="http://schemas.openxmlformats.org/drawingml/2006/main" xmlns:r="http://schemas.openxmlformats.org/officeDocument/2006/relationships" xmlns:p="http://schemas.openxmlformats.org/presentationml/2006/main">
   <p:cSld>
     <p:bg>
@@ -16087,136 +16961,6 @@
     <p:extLst>
       <p:ext uri="{BB962C8B-B14F-4D97-AF65-F5344CB8AC3E}">
         <p14:creationId xmlns:p14="http://schemas.microsoft.com/office/powerpoint/2010/main" val="909533644"/>
-      </p:ext>
-    </p:extLst>
-  </p:cSld>
-  <p:clrMapOvr>
-    <a:masterClrMapping/>
-  </p:clrMapOvr>
-</p:sld>
-</file>
-
-<file path=ppt/slides/slide9.xml><?xml version="1.0" encoding="utf-8"?>
-<p:sld xmlns:a="http://schemas.openxmlformats.org/drawingml/2006/main" xmlns:r="http://schemas.openxmlformats.org/officeDocument/2006/relationships" xmlns:p="http://schemas.openxmlformats.org/presentationml/2006/main">
-  <p:cSld>
-    <p:bg>
-      <p:bgPr>
-        <a:solidFill>
-          <a:schemeClr val="bg1"/>
-        </a:solidFill>
-        <a:effectLst/>
-      </p:bgPr>
-    </p:bg>
-    <p:spTree>
-      <p:nvGrpSpPr>
-        <p:cNvPr id="1" name=""/>
-        <p:cNvGrpSpPr/>
-        <p:nvPr/>
-      </p:nvGrpSpPr>
-      <p:grpSpPr>
-        <a:xfrm>
-          <a:off x="0" y="0"/>
-          <a:ext cx="0" cy="0"/>
-          <a:chOff x="0" y="0"/>
-          <a:chExt cx="0" cy="0"/>
-        </a:xfrm>
-      </p:grpSpPr>
-      <p:sp>
-        <p:nvSpPr>
-          <p:cNvPr id="2" name="Title 1">
-            <a:extLst>
-              <a:ext uri="{FF2B5EF4-FFF2-40B4-BE49-F238E27FC236}">
-                <a16:creationId xmlns:a16="http://schemas.microsoft.com/office/drawing/2014/main" id="{C1685C5C-E097-A34C-71C4-6B1AC703AB87}"/>
-              </a:ext>
-            </a:extLst>
-          </p:cNvPr>
-          <p:cNvSpPr>
-            <a:spLocks noGrp="1"/>
-          </p:cNvSpPr>
-          <p:nvPr>
-            <p:ph type="title"/>
-          </p:nvPr>
-        </p:nvSpPr>
-        <p:spPr>
-          <a:xfrm>
-            <a:off x="626012" y="1596061"/>
-            <a:ext cx="2752354" cy="2709275"/>
-          </a:xfrm>
-          <a:prstGeom prst="ellipse">
-            <a:avLst/>
-          </a:prstGeom>
-          <a:solidFill>
-            <a:schemeClr val="tx1">
-              <a:lumMod val="85000"/>
-              <a:lumOff val="15000"/>
-            </a:schemeClr>
-          </a:solidFill>
-          <a:ln w="174625" cmpd="thinThick">
-            <a:solidFill>
-              <a:schemeClr val="tx1">
-                <a:lumMod val="85000"/>
-                <a:lumOff val="15000"/>
-              </a:schemeClr>
-            </a:solidFill>
-          </a:ln>
-        </p:spPr>
-        <p:txBody>
-          <a:bodyPr vert="horz" lIns="91440" tIns="45720" rIns="91440" bIns="45720" rtlCol="0" anchor="ctr">
-            <a:normAutofit/>
-          </a:bodyPr>
-          <a:lstStyle/>
-          <a:p>
-            <a:pPr algn="ctr"/>
-            <a:r>
-              <a:rPr lang="en-US" sz="2600" kern="1200" dirty="0">
-                <a:solidFill>
-                  <a:schemeClr val="bg1"/>
-                </a:solidFill>
-                <a:latin typeface="+mj-lt"/>
-                <a:ea typeface="+mj-ea"/>
-                <a:cs typeface="+mj-cs"/>
-              </a:rPr>
-              <a:t>Checking for outlier</a:t>
-            </a:r>
-          </a:p>
-        </p:txBody>
-      </p:sp>
-      <p:pic>
-        <p:nvPicPr>
-          <p:cNvPr id="7" name="Content Placeholder 6">
-            <a:extLst>
-              <a:ext uri="{FF2B5EF4-FFF2-40B4-BE49-F238E27FC236}">
-                <a16:creationId xmlns:a16="http://schemas.microsoft.com/office/drawing/2014/main" id="{2911310E-25EF-F4CD-594F-48FE2A568ED6}"/>
-              </a:ext>
-            </a:extLst>
-          </p:cNvPr>
-          <p:cNvPicPr>
-            <a:picLocks noGrp="1" noChangeAspect="1"/>
-          </p:cNvPicPr>
-          <p:nvPr>
-            <p:ph idx="1"/>
-          </p:nvPr>
-        </p:nvPicPr>
-        <p:blipFill>
-          <a:blip r:embed="rId2"/>
-          <a:stretch>
-            <a:fillRect/>
-          </a:stretch>
-        </p:blipFill>
-        <p:spPr>
-          <a:xfrm>
-            <a:off x="4038600" y="993085"/>
-            <a:ext cx="7188199" cy="4868440"/>
-          </a:xfrm>
-          <a:prstGeom prst="rect">
-            <a:avLst/>
-          </a:prstGeom>
-        </p:spPr>
-      </p:pic>
-    </p:spTree>
-    <p:extLst>
-      <p:ext uri="{BB962C8B-B14F-4D97-AF65-F5344CB8AC3E}">
-        <p14:creationId xmlns:p14="http://schemas.microsoft.com/office/powerpoint/2010/main" val="976882544"/>
       </p:ext>
     </p:extLst>
   </p:cSld>
@@ -16927,18 +17671,18 @@
 </file>
 
 <file path=customXml/item2.xml><?xml version="1.0" encoding="utf-8"?>
+<p:properties xmlns:p="http://schemas.microsoft.com/office/2006/metadata/properties" xmlns:xsi="http://www.w3.org/2001/XMLSchema-instance" xmlns:pc="http://schemas.microsoft.com/office/infopath/2007/PartnerControls">
+  <documentManagement/>
+</p:properties>
+</file>
+
+<file path=customXml/item3.xml><?xml version="1.0" encoding="utf-8"?>
 <?mso-contentType ?>
 <FormTemplates xmlns="http://schemas.microsoft.com/sharepoint/v3/contenttype/forms">
   <Display>DocumentLibraryForm</Display>
   <Edit>DocumentLibraryForm</Edit>
   <New>DocumentLibraryForm</New>
 </FormTemplates>
-</file>
-
-<file path=customXml/item3.xml><?xml version="1.0" encoding="utf-8"?>
-<p:properties xmlns:p="http://schemas.microsoft.com/office/2006/metadata/properties" xmlns:xsi="http://www.w3.org/2001/XMLSchema-instance" xmlns:pc="http://schemas.microsoft.com/office/infopath/2007/PartnerControls">
-  <documentManagement/>
-</p:properties>
 </file>
 
 <file path=customXml/itemProps1.xml><?xml version="1.0" encoding="utf-8"?>
@@ -16960,14 +17704,6 @@
 </file>
 
 <file path=customXml/itemProps2.xml><?xml version="1.0" encoding="utf-8"?>
-<ds:datastoreItem xmlns:ds="http://schemas.openxmlformats.org/officeDocument/2006/customXml" ds:itemID="{5FE032E8-B7E5-4FE2-8F44-AECC758DA128}">
-  <ds:schemaRefs>
-    <ds:schemaRef ds:uri="http://schemas.microsoft.com/sharepoint/v3/contenttype/forms"/>
-  </ds:schemaRefs>
-</ds:datastoreItem>
-</file>
-
-<file path=customXml/itemProps3.xml><?xml version="1.0" encoding="utf-8"?>
 <ds:datastoreItem xmlns:ds="http://schemas.openxmlformats.org/officeDocument/2006/customXml" ds:itemID="{565283BF-057F-4855-A8C3-9E6EB28BCADE}">
   <ds:schemaRefs>
     <ds:schemaRef ds:uri="http://schemas.openxmlformats.org/package/2006/metadata/core-properties"/>
@@ -16981,4 +17717,12 @@
     <ds:schemaRef ds:uri="http://purl.org/dc/dcmitype/"/>
   </ds:schemaRefs>
 </ds:datastoreItem>
+</file>
+
+<file path=customXml/itemProps3.xml><?xml version="1.0" encoding="utf-8"?>
+<ds:datastoreItem xmlns:ds="http://schemas.openxmlformats.org/officeDocument/2006/customXml" ds:itemID="{5FE032E8-B7E5-4FE2-8F44-AECC758DA128}">
+  <ds:schemaRefs>
+    <ds:schemaRef ds:uri="http://schemas.microsoft.com/sharepoint/v3/contenttype/forms"/>
+  </ds:schemaRefs>
+</ds:datastoreItem>
 </file>